--- a/设计图.pptx
+++ b/设计图.pptx
@@ -17,6 +17,10 @@
     <p:sldId id="282" r:id="rId11"/>
     <p:sldId id="285" r:id="rId12"/>
     <p:sldId id="286" r:id="rId13"/>
+    <p:sldId id="287" r:id="rId14"/>
+    <p:sldId id="288" r:id="rId15"/>
+    <p:sldId id="289" r:id="rId16"/>
+    <p:sldId id="290" r:id="rId17"/>
   </p:sldIdLst>
   <p:sldSz cx="12192000" cy="6858000"/>
   <p:notesSz cx="6858000" cy="9144000"/>
@@ -115,6 +119,11 @@
       </a:defRPr>
     </a:lvl9pPr>
   </p:defaultTextStyle>
+  <p:extLst>
+    <p:ext uri="{EFAFB233-063F-42B5-8137-9DF3F51BA10A}">
+      <p15:sldGuideLst xmlns:p15="http://schemas.microsoft.com/office/powerpoint/2012/main"/>
+    </p:ext>
+  </p:extLst>
 </p:presentation>
 </file>
 
@@ -265,7 +274,7 @@
           <a:p>
             <a:fld id="{6C98D4B4-EDE5-4699-BAB6-6AE8726FF57E}" type="datetimeFigureOut">
               <a:rPr lang="zh-CN" altLang="en-US" smtClean="0"/>
-              <a:t>2020/3/2</a:t>
+              <a:t>2020/3/15</a:t>
             </a:fld>
             <a:endParaRPr lang="zh-CN" altLang="en-US"/>
           </a:p>
@@ -463,7 +472,7 @@
           <a:p>
             <a:fld id="{6C98D4B4-EDE5-4699-BAB6-6AE8726FF57E}" type="datetimeFigureOut">
               <a:rPr lang="zh-CN" altLang="en-US" smtClean="0"/>
-              <a:t>2020/3/2</a:t>
+              <a:t>2020/3/15</a:t>
             </a:fld>
             <a:endParaRPr lang="zh-CN" altLang="en-US"/>
           </a:p>
@@ -671,7 +680,7 @@
           <a:p>
             <a:fld id="{6C98D4B4-EDE5-4699-BAB6-6AE8726FF57E}" type="datetimeFigureOut">
               <a:rPr lang="zh-CN" altLang="en-US" smtClean="0"/>
-              <a:t>2020/3/2</a:t>
+              <a:t>2020/3/15</a:t>
             </a:fld>
             <a:endParaRPr lang="zh-CN" altLang="en-US"/>
           </a:p>
@@ -869,7 +878,7 @@
           <a:p>
             <a:fld id="{6C98D4B4-EDE5-4699-BAB6-6AE8726FF57E}" type="datetimeFigureOut">
               <a:rPr lang="zh-CN" altLang="en-US" smtClean="0"/>
-              <a:t>2020/3/2</a:t>
+              <a:t>2020/3/15</a:t>
             </a:fld>
             <a:endParaRPr lang="zh-CN" altLang="en-US"/>
           </a:p>
@@ -1144,7 +1153,7 @@
           <a:p>
             <a:fld id="{6C98D4B4-EDE5-4699-BAB6-6AE8726FF57E}" type="datetimeFigureOut">
               <a:rPr lang="zh-CN" altLang="en-US" smtClean="0"/>
-              <a:t>2020/3/2</a:t>
+              <a:t>2020/3/15</a:t>
             </a:fld>
             <a:endParaRPr lang="zh-CN" altLang="en-US"/>
           </a:p>
@@ -1409,7 +1418,7 @@
           <a:p>
             <a:fld id="{6C98D4B4-EDE5-4699-BAB6-6AE8726FF57E}" type="datetimeFigureOut">
               <a:rPr lang="zh-CN" altLang="en-US" smtClean="0"/>
-              <a:t>2020/3/2</a:t>
+              <a:t>2020/3/15</a:t>
             </a:fld>
             <a:endParaRPr lang="zh-CN" altLang="en-US"/>
           </a:p>
@@ -1821,7 +1830,7 @@
           <a:p>
             <a:fld id="{6C98D4B4-EDE5-4699-BAB6-6AE8726FF57E}" type="datetimeFigureOut">
               <a:rPr lang="zh-CN" altLang="en-US" smtClean="0"/>
-              <a:t>2020/3/2</a:t>
+              <a:t>2020/3/15</a:t>
             </a:fld>
             <a:endParaRPr lang="zh-CN" altLang="en-US"/>
           </a:p>
@@ -1962,7 +1971,7 @@
           <a:p>
             <a:fld id="{6C98D4B4-EDE5-4699-BAB6-6AE8726FF57E}" type="datetimeFigureOut">
               <a:rPr lang="zh-CN" altLang="en-US" smtClean="0"/>
-              <a:t>2020/3/2</a:t>
+              <a:t>2020/3/15</a:t>
             </a:fld>
             <a:endParaRPr lang="zh-CN" altLang="en-US"/>
           </a:p>
@@ -2075,7 +2084,7 @@
           <a:p>
             <a:fld id="{6C98D4B4-EDE5-4699-BAB6-6AE8726FF57E}" type="datetimeFigureOut">
               <a:rPr lang="zh-CN" altLang="en-US" smtClean="0"/>
-              <a:t>2020/3/2</a:t>
+              <a:t>2020/3/15</a:t>
             </a:fld>
             <a:endParaRPr lang="zh-CN" altLang="en-US"/>
           </a:p>
@@ -2386,7 +2395,7 @@
           <a:p>
             <a:fld id="{6C98D4B4-EDE5-4699-BAB6-6AE8726FF57E}" type="datetimeFigureOut">
               <a:rPr lang="zh-CN" altLang="en-US" smtClean="0"/>
-              <a:t>2020/3/2</a:t>
+              <a:t>2020/3/15</a:t>
             </a:fld>
             <a:endParaRPr lang="zh-CN" altLang="en-US"/>
           </a:p>
@@ -2674,7 +2683,7 @@
           <a:p>
             <a:fld id="{6C98D4B4-EDE5-4699-BAB6-6AE8726FF57E}" type="datetimeFigureOut">
               <a:rPr lang="zh-CN" altLang="en-US" smtClean="0"/>
-              <a:t>2020/3/2</a:t>
+              <a:t>2020/3/15</a:t>
             </a:fld>
             <a:endParaRPr lang="zh-CN" altLang="en-US"/>
           </a:p>
@@ -2915,7 +2924,7 @@
           <a:p>
             <a:fld id="{6C98D4B4-EDE5-4699-BAB6-6AE8726FF57E}" type="datetimeFigureOut">
               <a:rPr lang="zh-CN" altLang="en-US" smtClean="0"/>
-              <a:t>2020/3/2</a:t>
+              <a:t>2020/3/15</a:t>
             </a:fld>
             <a:endParaRPr lang="zh-CN" altLang="en-US"/>
           </a:p>
@@ -5877,6 +5886,4674 @@
 </p:sld>
 </file>
 
+<file path=ppt/slides/slide13.xml><?xml version="1.0" encoding="utf-8"?>
+<p:sld xmlns:a="http://schemas.openxmlformats.org/drawingml/2006/main" xmlns:r="http://schemas.openxmlformats.org/officeDocument/2006/relationships" xmlns:p="http://schemas.openxmlformats.org/presentationml/2006/main">
+  <p:cSld>
+    <p:spTree>
+      <p:nvGrpSpPr>
+        <p:cNvPr id="1" name=""/>
+        <p:cNvGrpSpPr/>
+        <p:nvPr/>
+      </p:nvGrpSpPr>
+      <p:grpSpPr>
+        <a:xfrm>
+          <a:off x="0" y="0"/>
+          <a:ext cx="0" cy="0"/>
+          <a:chOff x="0" y="0"/>
+          <a:chExt cx="0" cy="0"/>
+        </a:xfrm>
+      </p:grpSpPr>
+      <p:sp>
+        <p:nvSpPr>
+          <p:cNvPr id="2" name="标题 1">
+            <a:extLst>
+              <a:ext uri="{FF2B5EF4-FFF2-40B4-BE49-F238E27FC236}">
+                <a16:creationId xmlns:a16="http://schemas.microsoft.com/office/drawing/2014/main" id="{E2EB160E-2769-4814-87A9-D85D91401405}"/>
+              </a:ext>
+            </a:extLst>
+          </p:cNvPr>
+          <p:cNvSpPr>
+            <a:spLocks noGrp="1"/>
+          </p:cNvSpPr>
+          <p:nvPr>
+            <p:ph type="title"/>
+          </p:nvPr>
+        </p:nvSpPr>
+        <p:spPr/>
+        <p:txBody>
+          <a:bodyPr/>
+          <a:lstStyle/>
+          <a:p>
+            <a:r>
+              <a:rPr lang="zh-CN" altLang="en-US" dirty="0"/>
+              <a:t>网络结构查询</a:t>
+            </a:r>
+          </a:p>
+        </p:txBody>
+      </p:sp>
+      <p:sp>
+        <p:nvSpPr>
+          <p:cNvPr id="3" name="文本占位符 2">
+            <a:extLst>
+              <a:ext uri="{FF2B5EF4-FFF2-40B4-BE49-F238E27FC236}">
+                <a16:creationId xmlns:a16="http://schemas.microsoft.com/office/drawing/2014/main" id="{C0AEA034-31AE-4209-ADD5-7AC5C4347A92}"/>
+              </a:ext>
+            </a:extLst>
+          </p:cNvPr>
+          <p:cNvSpPr>
+            <a:spLocks noGrp="1"/>
+          </p:cNvSpPr>
+          <p:nvPr>
+            <p:ph type="body" idx="1"/>
+          </p:nvPr>
+        </p:nvSpPr>
+        <p:spPr/>
+        <p:txBody>
+          <a:bodyPr/>
+          <a:lstStyle/>
+          <a:p>
+            <a:r>
+              <a:rPr lang="zh-CN" altLang="en-US" dirty="0"/>
+              <a:t>深度优先遍历</a:t>
+            </a:r>
+          </a:p>
+        </p:txBody>
+      </p:sp>
+    </p:spTree>
+    <p:extLst>
+      <p:ext uri="{BB962C8B-B14F-4D97-AF65-F5344CB8AC3E}">
+        <p14:creationId xmlns:p14="http://schemas.microsoft.com/office/powerpoint/2010/main" val="3460730667"/>
+      </p:ext>
+    </p:extLst>
+  </p:cSld>
+  <p:clrMapOvr>
+    <a:masterClrMapping/>
+  </p:clrMapOvr>
+</p:sld>
+</file>
+
+<file path=ppt/slides/slide14.xml><?xml version="1.0" encoding="utf-8"?>
+<p:sld xmlns:a="http://schemas.openxmlformats.org/drawingml/2006/main" xmlns:r="http://schemas.openxmlformats.org/officeDocument/2006/relationships" xmlns:p="http://schemas.openxmlformats.org/presentationml/2006/main">
+  <p:cSld>
+    <p:spTree>
+      <p:nvGrpSpPr>
+        <p:cNvPr id="1" name=""/>
+        <p:cNvGrpSpPr/>
+        <p:nvPr/>
+      </p:nvGrpSpPr>
+      <p:grpSpPr>
+        <a:xfrm>
+          <a:off x="0" y="0"/>
+          <a:ext cx="0" cy="0"/>
+          <a:chOff x="0" y="0"/>
+          <a:chExt cx="0" cy="0"/>
+        </a:xfrm>
+      </p:grpSpPr>
+      <p:grpSp>
+        <p:nvGrpSpPr>
+          <p:cNvPr id="62" name="组合 61">
+            <a:extLst>
+              <a:ext uri="{FF2B5EF4-FFF2-40B4-BE49-F238E27FC236}">
+                <a16:creationId xmlns:a16="http://schemas.microsoft.com/office/drawing/2014/main" id="{0C8291D1-5EAF-4248-87E3-6DBA63D84316}"/>
+              </a:ext>
+            </a:extLst>
+          </p:cNvPr>
+          <p:cNvGrpSpPr/>
+          <p:nvPr/>
+        </p:nvGrpSpPr>
+        <p:grpSpPr>
+          <a:xfrm>
+            <a:off x="2272639" y="2173764"/>
+            <a:ext cx="1544621" cy="2510472"/>
+            <a:chOff x="5323689" y="1939609"/>
+            <a:chExt cx="1544621" cy="2510472"/>
+          </a:xfrm>
+        </p:grpSpPr>
+        <p:sp>
+          <p:nvSpPr>
+            <p:cNvPr id="63" name="矩形 62">
+              <a:extLst>
+                <a:ext uri="{FF2B5EF4-FFF2-40B4-BE49-F238E27FC236}">
+                  <a16:creationId xmlns:a16="http://schemas.microsoft.com/office/drawing/2014/main" id="{14915D52-98BE-4DF9-A933-EEEFFE1AC05B}"/>
+                </a:ext>
+              </a:extLst>
+            </p:cNvPr>
+            <p:cNvSpPr/>
+            <p:nvPr/>
+          </p:nvSpPr>
+          <p:spPr>
+            <a:xfrm>
+              <a:off x="5323689" y="1939609"/>
+              <a:ext cx="1544621" cy="2510472"/>
+            </a:xfrm>
+            <a:prstGeom prst="rect">
+              <a:avLst/>
+            </a:prstGeom>
+          </p:spPr>
+          <p:style>
+            <a:lnRef idx="2">
+              <a:schemeClr val="dk1"/>
+            </a:lnRef>
+            <a:fillRef idx="1">
+              <a:schemeClr val="lt1"/>
+            </a:fillRef>
+            <a:effectRef idx="0">
+              <a:schemeClr val="dk1"/>
+            </a:effectRef>
+            <a:fontRef idx="minor">
+              <a:schemeClr val="dk1"/>
+            </a:fontRef>
+          </p:style>
+          <p:txBody>
+            <a:bodyPr rtlCol="0" anchor="t"/>
+            <a:lstStyle/>
+            <a:p>
+              <a:pPr algn="ctr"/>
+              <a:r>
+                <a:rPr lang="zh-CN" altLang="en-US" dirty="0"/>
+                <a:t>节点信息</a:t>
+              </a:r>
+            </a:p>
+          </p:txBody>
+        </p:sp>
+        <p:sp>
+          <p:nvSpPr>
+            <p:cNvPr id="64" name="矩形 63">
+              <a:extLst>
+                <a:ext uri="{FF2B5EF4-FFF2-40B4-BE49-F238E27FC236}">
+                  <a16:creationId xmlns:a16="http://schemas.microsoft.com/office/drawing/2014/main" id="{FF8FA105-911A-4365-8B1F-06A3F9E9440F}"/>
+                </a:ext>
+              </a:extLst>
+            </p:cNvPr>
+            <p:cNvSpPr/>
+            <p:nvPr/>
+          </p:nvSpPr>
+          <p:spPr>
+            <a:xfrm>
+              <a:off x="5404969" y="2834640"/>
+              <a:ext cx="1381221" cy="497840"/>
+            </a:xfrm>
+            <a:prstGeom prst="rect">
+              <a:avLst/>
+            </a:prstGeom>
+          </p:spPr>
+          <p:style>
+            <a:lnRef idx="2">
+              <a:schemeClr val="dk1"/>
+            </a:lnRef>
+            <a:fillRef idx="1">
+              <a:schemeClr val="lt1"/>
+            </a:fillRef>
+            <a:effectRef idx="0">
+              <a:schemeClr val="dk1"/>
+            </a:effectRef>
+            <a:fontRef idx="minor">
+              <a:schemeClr val="dk1"/>
+            </a:fontRef>
+          </p:style>
+          <p:txBody>
+            <a:bodyPr rtlCol="0" anchor="ctr"/>
+            <a:lstStyle/>
+            <a:p>
+              <a:pPr algn="ctr"/>
+              <a:r>
+                <a:rPr lang="zh-CN" altLang="en-US" dirty="0"/>
+                <a:t>入度节点表</a:t>
+              </a:r>
+            </a:p>
+          </p:txBody>
+        </p:sp>
+        <p:sp>
+          <p:nvSpPr>
+            <p:cNvPr id="65" name="矩形 64">
+              <a:extLst>
+                <a:ext uri="{FF2B5EF4-FFF2-40B4-BE49-F238E27FC236}">
+                  <a16:creationId xmlns:a16="http://schemas.microsoft.com/office/drawing/2014/main" id="{D27E7BC0-B33C-4B6A-BC95-BE01C1F8F7C7}"/>
+                </a:ext>
+              </a:extLst>
+            </p:cNvPr>
+            <p:cNvSpPr/>
+            <p:nvPr/>
+          </p:nvSpPr>
+          <p:spPr>
+            <a:xfrm>
+              <a:off x="5404969" y="3332480"/>
+              <a:ext cx="1381221" cy="497840"/>
+            </a:xfrm>
+            <a:prstGeom prst="rect">
+              <a:avLst/>
+            </a:prstGeom>
+          </p:spPr>
+          <p:style>
+            <a:lnRef idx="2">
+              <a:schemeClr val="dk1"/>
+            </a:lnRef>
+            <a:fillRef idx="1">
+              <a:schemeClr val="lt1"/>
+            </a:fillRef>
+            <a:effectRef idx="0">
+              <a:schemeClr val="dk1"/>
+            </a:effectRef>
+            <a:fontRef idx="minor">
+              <a:schemeClr val="dk1"/>
+            </a:fontRef>
+          </p:style>
+          <p:txBody>
+            <a:bodyPr rtlCol="0" anchor="ctr"/>
+            <a:lstStyle/>
+            <a:p>
+              <a:pPr algn="ctr"/>
+              <a:r>
+                <a:rPr lang="zh-CN" altLang="en-US" dirty="0"/>
+                <a:t>出度节点表</a:t>
+              </a:r>
+            </a:p>
+          </p:txBody>
+        </p:sp>
+        <p:sp>
+          <p:nvSpPr>
+            <p:cNvPr id="66" name="矩形 65">
+              <a:extLst>
+                <a:ext uri="{FF2B5EF4-FFF2-40B4-BE49-F238E27FC236}">
+                  <a16:creationId xmlns:a16="http://schemas.microsoft.com/office/drawing/2014/main" id="{4660FDE5-CB0C-440B-B9C4-58214429DEFE}"/>
+                </a:ext>
+              </a:extLst>
+            </p:cNvPr>
+            <p:cNvSpPr/>
+            <p:nvPr/>
+          </p:nvSpPr>
+          <p:spPr>
+            <a:xfrm>
+              <a:off x="5404969" y="3830320"/>
+              <a:ext cx="1381221" cy="497840"/>
+            </a:xfrm>
+            <a:prstGeom prst="rect">
+              <a:avLst/>
+            </a:prstGeom>
+          </p:spPr>
+          <p:style>
+            <a:lnRef idx="2">
+              <a:schemeClr val="dk1"/>
+            </a:lnRef>
+            <a:fillRef idx="1">
+              <a:schemeClr val="lt1"/>
+            </a:fillRef>
+            <a:effectRef idx="0">
+              <a:schemeClr val="dk1"/>
+            </a:effectRef>
+            <a:fontRef idx="minor">
+              <a:schemeClr val="dk1"/>
+            </a:fontRef>
+          </p:style>
+          <p:txBody>
+            <a:bodyPr rtlCol="0" anchor="ctr"/>
+            <a:lstStyle/>
+            <a:p>
+              <a:pPr algn="ctr"/>
+              <a:r>
+                <a:rPr lang="zh-CN" altLang="en-US" dirty="0"/>
+                <a:t>客户端表</a:t>
+              </a:r>
+            </a:p>
+          </p:txBody>
+        </p:sp>
+        <p:sp>
+          <p:nvSpPr>
+            <p:cNvPr id="67" name="矩形 66">
+              <a:extLst>
+                <a:ext uri="{FF2B5EF4-FFF2-40B4-BE49-F238E27FC236}">
+                  <a16:creationId xmlns:a16="http://schemas.microsoft.com/office/drawing/2014/main" id="{AB9A43F7-9AB9-4AC9-9AE5-3155A025707F}"/>
+                </a:ext>
+              </a:extLst>
+            </p:cNvPr>
+            <p:cNvSpPr/>
+            <p:nvPr/>
+          </p:nvSpPr>
+          <p:spPr>
+            <a:xfrm>
+              <a:off x="5404968" y="2336800"/>
+              <a:ext cx="1381221" cy="497840"/>
+            </a:xfrm>
+            <a:prstGeom prst="rect">
+              <a:avLst/>
+            </a:prstGeom>
+          </p:spPr>
+          <p:style>
+            <a:lnRef idx="2">
+              <a:schemeClr val="dk1"/>
+            </a:lnRef>
+            <a:fillRef idx="1">
+              <a:schemeClr val="lt1"/>
+            </a:fillRef>
+            <a:effectRef idx="0">
+              <a:schemeClr val="dk1"/>
+            </a:effectRef>
+            <a:fontRef idx="minor">
+              <a:schemeClr val="dk1"/>
+            </a:fontRef>
+          </p:style>
+          <p:txBody>
+            <a:bodyPr rtlCol="0" anchor="ctr"/>
+            <a:lstStyle/>
+            <a:p>
+              <a:pPr algn="ctr"/>
+              <a:r>
+                <a:rPr lang="zh-CN" altLang="en-US" dirty="0"/>
+                <a:t>服务器信息</a:t>
+              </a:r>
+            </a:p>
+          </p:txBody>
+        </p:sp>
+      </p:grpSp>
+      <p:sp>
+        <p:nvSpPr>
+          <p:cNvPr id="2" name="标题 1">
+            <a:extLst>
+              <a:ext uri="{FF2B5EF4-FFF2-40B4-BE49-F238E27FC236}">
+                <a16:creationId xmlns:a16="http://schemas.microsoft.com/office/drawing/2014/main" id="{FFEA2018-C561-49B5-B178-87DD7849C595}"/>
+              </a:ext>
+            </a:extLst>
+          </p:cNvPr>
+          <p:cNvSpPr>
+            <a:spLocks noGrp="1"/>
+          </p:cNvSpPr>
+          <p:nvPr>
+            <p:ph type="title"/>
+          </p:nvPr>
+        </p:nvSpPr>
+        <p:spPr/>
+        <p:txBody>
+          <a:bodyPr/>
+          <a:lstStyle/>
+          <a:p>
+            <a:r>
+              <a:rPr lang="zh-CN" altLang="en-US" dirty="0"/>
+              <a:t>节点信息查询</a:t>
+            </a:r>
+          </a:p>
+        </p:txBody>
+      </p:sp>
+      <p:sp>
+        <p:nvSpPr>
+          <p:cNvPr id="25" name="流程图: 顺序访问存储器 24">
+            <a:extLst>
+              <a:ext uri="{FF2B5EF4-FFF2-40B4-BE49-F238E27FC236}">
+                <a16:creationId xmlns:a16="http://schemas.microsoft.com/office/drawing/2014/main" id="{158C6999-2C33-4E70-B6AA-EE6C709D778A}"/>
+              </a:ext>
+            </a:extLst>
+          </p:cNvPr>
+          <p:cNvSpPr/>
+          <p:nvPr/>
+        </p:nvSpPr>
+        <p:spPr>
+          <a:xfrm>
+            <a:off x="4247481" y="372875"/>
+            <a:ext cx="6120000" cy="6120000"/>
+          </a:xfrm>
+          <a:prstGeom prst="flowChartMagneticTape">
+            <a:avLst/>
+          </a:prstGeom>
+        </p:spPr>
+        <p:style>
+          <a:lnRef idx="2">
+            <a:schemeClr val="dk1"/>
+          </a:lnRef>
+          <a:fillRef idx="1">
+            <a:schemeClr val="lt1"/>
+          </a:fillRef>
+          <a:effectRef idx="0">
+            <a:schemeClr val="dk1"/>
+          </a:effectRef>
+          <a:fontRef idx="minor">
+            <a:schemeClr val="dk1"/>
+          </a:fontRef>
+        </p:style>
+        <p:txBody>
+          <a:bodyPr rtlCol="0" anchor="t"/>
+          <a:lstStyle/>
+          <a:p>
+            <a:pPr algn="ctr"/>
+            <a:r>
+              <a:rPr lang="en-US" altLang="zh-CN" sz="1600" dirty="0"/>
+              <a:t>Server</a:t>
+            </a:r>
+          </a:p>
+          <a:p>
+            <a:pPr algn="ctr"/>
+            <a:r>
+              <a:rPr lang="zh-CN" altLang="en-US" sz="1600" dirty="0"/>
+              <a:t>服务端</a:t>
+            </a:r>
+          </a:p>
+        </p:txBody>
+      </p:sp>
+      <p:grpSp>
+        <p:nvGrpSpPr>
+          <p:cNvPr id="27" name="组合 26">
+            <a:extLst>
+              <a:ext uri="{FF2B5EF4-FFF2-40B4-BE49-F238E27FC236}">
+                <a16:creationId xmlns:a16="http://schemas.microsoft.com/office/drawing/2014/main" id="{843F8F8B-21F4-4140-9B78-227990A61BA1}"/>
+              </a:ext>
+            </a:extLst>
+          </p:cNvPr>
+          <p:cNvGrpSpPr/>
+          <p:nvPr/>
+        </p:nvGrpSpPr>
+        <p:grpSpPr>
+          <a:xfrm>
+            <a:off x="7758521" y="1870504"/>
+            <a:ext cx="2160000" cy="2160000"/>
+            <a:chOff x="8591360" y="1870504"/>
+            <a:chExt cx="2160000" cy="2160000"/>
+          </a:xfrm>
+        </p:grpSpPr>
+        <p:sp>
+          <p:nvSpPr>
+            <p:cNvPr id="28" name="流程图: 顺序访问存储器 27">
+              <a:extLst>
+                <a:ext uri="{FF2B5EF4-FFF2-40B4-BE49-F238E27FC236}">
+                  <a16:creationId xmlns:a16="http://schemas.microsoft.com/office/drawing/2014/main" id="{41EEFF51-C5F1-4AEC-B9B1-083858360DCE}"/>
+                </a:ext>
+              </a:extLst>
+            </p:cNvPr>
+            <p:cNvSpPr/>
+            <p:nvPr/>
+          </p:nvSpPr>
+          <p:spPr>
+            <a:xfrm>
+              <a:off x="8591360" y="1870504"/>
+              <a:ext cx="2160000" cy="2160000"/>
+            </a:xfrm>
+            <a:prstGeom prst="flowChartMagneticTape">
+              <a:avLst/>
+            </a:prstGeom>
+          </p:spPr>
+          <p:style>
+            <a:lnRef idx="2">
+              <a:schemeClr val="dk1"/>
+            </a:lnRef>
+            <a:fillRef idx="1">
+              <a:schemeClr val="lt1"/>
+            </a:fillRef>
+            <a:effectRef idx="0">
+              <a:schemeClr val="dk1"/>
+            </a:effectRef>
+            <a:fontRef idx="minor">
+              <a:schemeClr val="dk1"/>
+            </a:fontRef>
+          </p:style>
+          <p:txBody>
+            <a:bodyPr rtlCol="0" anchor="t"/>
+            <a:lstStyle/>
+            <a:p>
+              <a:pPr algn="ctr"/>
+              <a:r>
+                <a:rPr lang="en-US" altLang="zh-CN" sz="1600" dirty="0"/>
+                <a:t>S2S</a:t>
+              </a:r>
+              <a:r>
+                <a:rPr lang="zh-CN" altLang="en-US" sz="1600" dirty="0"/>
+                <a:t>注册器</a:t>
+              </a:r>
+            </a:p>
+          </p:txBody>
+        </p:sp>
+        <p:sp>
+          <p:nvSpPr>
+            <p:cNvPr id="30" name="圆柱体 29">
+              <a:extLst>
+                <a:ext uri="{FF2B5EF4-FFF2-40B4-BE49-F238E27FC236}">
+                  <a16:creationId xmlns:a16="http://schemas.microsoft.com/office/drawing/2014/main" id="{77EDA938-920C-496A-9ACB-4519D8A40F95}"/>
+                </a:ext>
+              </a:extLst>
+            </p:cNvPr>
+            <p:cNvSpPr/>
+            <p:nvPr/>
+          </p:nvSpPr>
+          <p:spPr>
+            <a:xfrm>
+              <a:off x="9085020" y="3285717"/>
+              <a:ext cx="1172680" cy="460911"/>
+            </a:xfrm>
+            <a:prstGeom prst="can">
+              <a:avLst/>
+            </a:prstGeom>
+          </p:spPr>
+          <p:style>
+            <a:lnRef idx="2">
+              <a:schemeClr val="dk1"/>
+            </a:lnRef>
+            <a:fillRef idx="1">
+              <a:schemeClr val="lt1"/>
+            </a:fillRef>
+            <a:effectRef idx="0">
+              <a:schemeClr val="dk1"/>
+            </a:effectRef>
+            <a:fontRef idx="minor">
+              <a:schemeClr val="dk1"/>
+            </a:fontRef>
+          </p:style>
+          <p:txBody>
+            <a:bodyPr rtlCol="0" anchor="ctr"/>
+            <a:lstStyle/>
+            <a:p>
+              <a:pPr algn="ctr"/>
+              <a:r>
+                <a:rPr lang="zh-CN" altLang="en-US" sz="1600" dirty="0"/>
+                <a:t>连接列表</a:t>
+              </a:r>
+            </a:p>
+          </p:txBody>
+        </p:sp>
+      </p:grpSp>
+      <p:grpSp>
+        <p:nvGrpSpPr>
+          <p:cNvPr id="32" name="组合 31">
+            <a:extLst>
+              <a:ext uri="{FF2B5EF4-FFF2-40B4-BE49-F238E27FC236}">
+                <a16:creationId xmlns:a16="http://schemas.microsoft.com/office/drawing/2014/main" id="{0284C1E3-2DD4-4EDB-A2C8-AA0A9BBB9F2E}"/>
+              </a:ext>
+            </a:extLst>
+          </p:cNvPr>
+          <p:cNvGrpSpPr/>
+          <p:nvPr/>
+        </p:nvGrpSpPr>
+        <p:grpSpPr>
+          <a:xfrm>
+            <a:off x="6407481" y="4210320"/>
+            <a:ext cx="2160000" cy="2160000"/>
+            <a:chOff x="7240320" y="4210320"/>
+            <a:chExt cx="2160000" cy="2160000"/>
+          </a:xfrm>
+        </p:grpSpPr>
+        <p:sp>
+          <p:nvSpPr>
+            <p:cNvPr id="33" name="流程图: 顺序访问存储器 32">
+              <a:extLst>
+                <a:ext uri="{FF2B5EF4-FFF2-40B4-BE49-F238E27FC236}">
+                  <a16:creationId xmlns:a16="http://schemas.microsoft.com/office/drawing/2014/main" id="{DBD32FA9-6AB0-4F52-8028-FDB91D7C69D4}"/>
+                </a:ext>
+              </a:extLst>
+            </p:cNvPr>
+            <p:cNvSpPr/>
+            <p:nvPr/>
+          </p:nvSpPr>
+          <p:spPr>
+            <a:xfrm>
+              <a:off x="7240320" y="4210320"/>
+              <a:ext cx="2160000" cy="2160000"/>
+            </a:xfrm>
+            <a:prstGeom prst="flowChartMagneticTape">
+              <a:avLst/>
+            </a:prstGeom>
+          </p:spPr>
+          <p:style>
+            <a:lnRef idx="2">
+              <a:schemeClr val="dk1"/>
+            </a:lnRef>
+            <a:fillRef idx="1">
+              <a:schemeClr val="lt1"/>
+            </a:fillRef>
+            <a:effectRef idx="0">
+              <a:schemeClr val="dk1"/>
+            </a:effectRef>
+            <a:fontRef idx="minor">
+              <a:schemeClr val="dk1"/>
+            </a:fontRef>
+          </p:style>
+          <p:txBody>
+            <a:bodyPr rtlCol="0" anchor="b"/>
+            <a:lstStyle/>
+            <a:p>
+              <a:pPr algn="ctr"/>
+              <a:r>
+                <a:rPr lang="en-US" altLang="zh-CN" sz="1600" dirty="0"/>
+                <a:t>S2C</a:t>
+              </a:r>
+              <a:r>
+                <a:rPr lang="zh-CN" altLang="en-US" sz="1600" dirty="0"/>
+                <a:t>注册中心</a:t>
+              </a:r>
+            </a:p>
+          </p:txBody>
+        </p:sp>
+        <p:sp>
+          <p:nvSpPr>
+            <p:cNvPr id="34" name="圆柱体 33">
+              <a:extLst>
+                <a:ext uri="{FF2B5EF4-FFF2-40B4-BE49-F238E27FC236}">
+                  <a16:creationId xmlns:a16="http://schemas.microsoft.com/office/drawing/2014/main" id="{32216610-96D6-41BE-9F79-A6490B24AA3A}"/>
+                </a:ext>
+              </a:extLst>
+            </p:cNvPr>
+            <p:cNvSpPr/>
+            <p:nvPr/>
+          </p:nvSpPr>
+          <p:spPr>
+            <a:xfrm>
+              <a:off x="7733980" y="5059864"/>
+              <a:ext cx="1172680" cy="460911"/>
+            </a:xfrm>
+            <a:prstGeom prst="can">
+              <a:avLst/>
+            </a:prstGeom>
+          </p:spPr>
+          <p:style>
+            <a:lnRef idx="2">
+              <a:schemeClr val="dk1"/>
+            </a:lnRef>
+            <a:fillRef idx="1">
+              <a:schemeClr val="lt1"/>
+            </a:fillRef>
+            <a:effectRef idx="0">
+              <a:schemeClr val="dk1"/>
+            </a:effectRef>
+            <a:fontRef idx="minor">
+              <a:schemeClr val="dk1"/>
+            </a:fontRef>
+          </p:style>
+          <p:txBody>
+            <a:bodyPr rtlCol="0" anchor="ctr"/>
+            <a:lstStyle/>
+            <a:p>
+              <a:pPr algn="ctr"/>
+              <a:r>
+                <a:rPr lang="zh-CN" altLang="en-US" sz="1600" dirty="0"/>
+                <a:t>超时表</a:t>
+              </a:r>
+            </a:p>
+          </p:txBody>
+        </p:sp>
+      </p:grpSp>
+      <p:grpSp>
+        <p:nvGrpSpPr>
+          <p:cNvPr id="36" name="组合 35">
+            <a:extLst>
+              <a:ext uri="{FF2B5EF4-FFF2-40B4-BE49-F238E27FC236}">
+                <a16:creationId xmlns:a16="http://schemas.microsoft.com/office/drawing/2014/main" id="{45218BEB-1B72-4F8A-88C8-118A5DDD258C}"/>
+              </a:ext>
+            </a:extLst>
+          </p:cNvPr>
+          <p:cNvGrpSpPr/>
+          <p:nvPr/>
+        </p:nvGrpSpPr>
+        <p:grpSpPr>
+          <a:xfrm>
+            <a:off x="4866701" y="1865424"/>
+            <a:ext cx="2160000" cy="2160000"/>
+            <a:chOff x="5699540" y="1865424"/>
+            <a:chExt cx="2160000" cy="2160000"/>
+          </a:xfrm>
+        </p:grpSpPr>
+        <p:sp>
+          <p:nvSpPr>
+            <p:cNvPr id="37" name="流程图: 顺序访问存储器 36">
+              <a:extLst>
+                <a:ext uri="{FF2B5EF4-FFF2-40B4-BE49-F238E27FC236}">
+                  <a16:creationId xmlns:a16="http://schemas.microsoft.com/office/drawing/2014/main" id="{35F10D24-7A46-4C0D-83CE-B06D901FDAD7}"/>
+                </a:ext>
+              </a:extLst>
+            </p:cNvPr>
+            <p:cNvSpPr/>
+            <p:nvPr/>
+          </p:nvSpPr>
+          <p:spPr>
+            <a:xfrm>
+              <a:off x="5699540" y="1865424"/>
+              <a:ext cx="2160000" cy="2160000"/>
+            </a:xfrm>
+            <a:prstGeom prst="flowChartMagneticTape">
+              <a:avLst/>
+            </a:prstGeom>
+          </p:spPr>
+          <p:style>
+            <a:lnRef idx="2">
+              <a:schemeClr val="dk1"/>
+            </a:lnRef>
+            <a:fillRef idx="1">
+              <a:schemeClr val="lt1"/>
+            </a:fillRef>
+            <a:effectRef idx="0">
+              <a:schemeClr val="dk1"/>
+            </a:effectRef>
+            <a:fontRef idx="minor">
+              <a:schemeClr val="dk1"/>
+            </a:fontRef>
+          </p:style>
+          <p:txBody>
+            <a:bodyPr rtlCol="0" anchor="t"/>
+            <a:lstStyle/>
+            <a:p>
+              <a:pPr algn="ctr"/>
+              <a:r>
+                <a:rPr lang="en-US" altLang="zh-CN" sz="1600" dirty="0"/>
+                <a:t>S2S</a:t>
+              </a:r>
+              <a:r>
+                <a:rPr lang="zh-CN" altLang="en-US" sz="1600" dirty="0"/>
+                <a:t>注册中心</a:t>
+              </a:r>
+            </a:p>
+          </p:txBody>
+        </p:sp>
+        <p:sp>
+          <p:nvSpPr>
+            <p:cNvPr id="38" name="圆柱体 37">
+              <a:extLst>
+                <a:ext uri="{FF2B5EF4-FFF2-40B4-BE49-F238E27FC236}">
+                  <a16:creationId xmlns:a16="http://schemas.microsoft.com/office/drawing/2014/main" id="{71EEAC55-CCDA-4A96-B02E-1E986564BDF9}"/>
+                </a:ext>
+              </a:extLst>
+            </p:cNvPr>
+            <p:cNvSpPr/>
+            <p:nvPr/>
+          </p:nvSpPr>
+          <p:spPr>
+            <a:xfrm>
+              <a:off x="6193135" y="2720048"/>
+              <a:ext cx="1172680" cy="460911"/>
+            </a:xfrm>
+            <a:prstGeom prst="can">
+              <a:avLst/>
+            </a:prstGeom>
+          </p:spPr>
+          <p:style>
+            <a:lnRef idx="2">
+              <a:schemeClr val="dk1"/>
+            </a:lnRef>
+            <a:fillRef idx="1">
+              <a:schemeClr val="lt1"/>
+            </a:fillRef>
+            <a:effectRef idx="0">
+              <a:schemeClr val="dk1"/>
+            </a:effectRef>
+            <a:fontRef idx="minor">
+              <a:schemeClr val="dk1"/>
+            </a:fontRef>
+          </p:style>
+          <p:txBody>
+            <a:bodyPr rtlCol="0" anchor="ctr"/>
+            <a:lstStyle/>
+            <a:p>
+              <a:pPr algn="ctr"/>
+              <a:r>
+                <a:rPr lang="zh-CN" altLang="en-US" sz="1600" dirty="0"/>
+                <a:t>超时表</a:t>
+              </a:r>
+            </a:p>
+          </p:txBody>
+        </p:sp>
+      </p:grpSp>
+      <p:cxnSp>
+        <p:nvCxnSpPr>
+          <p:cNvPr id="53" name="连接符: 肘形 52">
+            <a:extLst>
+              <a:ext uri="{FF2B5EF4-FFF2-40B4-BE49-F238E27FC236}">
+                <a16:creationId xmlns:a16="http://schemas.microsoft.com/office/drawing/2014/main" id="{EEDEF3CB-D726-4370-B42F-B2C0758834A3}"/>
+              </a:ext>
+            </a:extLst>
+          </p:cNvPr>
+          <p:cNvCxnSpPr>
+            <a:cxnSpLocks/>
+            <a:stCxn id="38" idx="2"/>
+            <a:endCxn id="64" idx="3"/>
+          </p:cNvCxnSpPr>
+          <p:nvPr/>
+        </p:nvCxnSpPr>
+        <p:spPr>
+          <a:xfrm rot="10800000" flipV="1">
+            <a:off x="3735140" y="2950503"/>
+            <a:ext cx="1625156" cy="367211"/>
+          </a:xfrm>
+          <a:prstGeom prst="bentConnector3">
+            <a:avLst/>
+          </a:prstGeom>
+          <a:ln>
+            <a:tailEnd type="triangle"/>
+          </a:ln>
+        </p:spPr>
+        <p:style>
+          <a:lnRef idx="3">
+            <a:schemeClr val="dk1"/>
+          </a:lnRef>
+          <a:fillRef idx="0">
+            <a:schemeClr val="dk1"/>
+          </a:fillRef>
+          <a:effectRef idx="2">
+            <a:schemeClr val="dk1"/>
+          </a:effectRef>
+          <a:fontRef idx="minor">
+            <a:schemeClr val="tx1"/>
+          </a:fontRef>
+        </p:style>
+      </p:cxnSp>
+      <p:cxnSp>
+        <p:nvCxnSpPr>
+          <p:cNvPr id="54" name="连接符: 肘形 53">
+            <a:extLst>
+              <a:ext uri="{FF2B5EF4-FFF2-40B4-BE49-F238E27FC236}">
+                <a16:creationId xmlns:a16="http://schemas.microsoft.com/office/drawing/2014/main" id="{C42F6CB6-7A95-4ABA-A3AC-B5CDD2203487}"/>
+              </a:ext>
+            </a:extLst>
+          </p:cNvPr>
+          <p:cNvCxnSpPr>
+            <a:cxnSpLocks/>
+            <a:stCxn id="30" idx="2"/>
+            <a:endCxn id="65" idx="3"/>
+          </p:cNvCxnSpPr>
+          <p:nvPr/>
+        </p:nvCxnSpPr>
+        <p:spPr>
+          <a:xfrm rot="10800000" flipV="1">
+            <a:off x="3735141" y="3516173"/>
+            <a:ext cx="4517041" cy="299382"/>
+          </a:xfrm>
+          <a:prstGeom prst="bentConnector3">
+            <a:avLst/>
+          </a:prstGeom>
+          <a:ln>
+            <a:tailEnd type="triangle"/>
+          </a:ln>
+        </p:spPr>
+        <p:style>
+          <a:lnRef idx="3">
+            <a:schemeClr val="dk1"/>
+          </a:lnRef>
+          <a:fillRef idx="0">
+            <a:schemeClr val="dk1"/>
+          </a:fillRef>
+          <a:effectRef idx="2">
+            <a:schemeClr val="dk1"/>
+          </a:effectRef>
+          <a:fontRef idx="minor">
+            <a:schemeClr val="tx1"/>
+          </a:fontRef>
+        </p:style>
+      </p:cxnSp>
+      <p:cxnSp>
+        <p:nvCxnSpPr>
+          <p:cNvPr id="57" name="连接符: 肘形 56">
+            <a:extLst>
+              <a:ext uri="{FF2B5EF4-FFF2-40B4-BE49-F238E27FC236}">
+                <a16:creationId xmlns:a16="http://schemas.microsoft.com/office/drawing/2014/main" id="{5480CF7D-F5B9-4824-8E51-4CBDB6803D0E}"/>
+              </a:ext>
+            </a:extLst>
+          </p:cNvPr>
+          <p:cNvCxnSpPr>
+            <a:cxnSpLocks/>
+            <a:stCxn id="34" idx="2"/>
+            <a:endCxn id="66" idx="3"/>
+          </p:cNvCxnSpPr>
+          <p:nvPr/>
+        </p:nvCxnSpPr>
+        <p:spPr>
+          <a:xfrm rot="10800000">
+            <a:off x="3735141" y="4313396"/>
+            <a:ext cx="3166001" cy="976925"/>
+          </a:xfrm>
+          <a:prstGeom prst="bentConnector3">
+            <a:avLst/>
+          </a:prstGeom>
+          <a:ln>
+            <a:tailEnd type="triangle"/>
+          </a:ln>
+        </p:spPr>
+        <p:style>
+          <a:lnRef idx="3">
+            <a:schemeClr val="dk1"/>
+          </a:lnRef>
+          <a:fillRef idx="0">
+            <a:schemeClr val="dk1"/>
+          </a:fillRef>
+          <a:effectRef idx="2">
+            <a:schemeClr val="dk1"/>
+          </a:effectRef>
+          <a:fontRef idx="minor">
+            <a:schemeClr val="tx1"/>
+          </a:fontRef>
+        </p:style>
+      </p:cxnSp>
+      <p:sp>
+        <p:nvSpPr>
+          <p:cNvPr id="60" name="箭头: 左 59">
+            <a:extLst>
+              <a:ext uri="{FF2B5EF4-FFF2-40B4-BE49-F238E27FC236}">
+                <a16:creationId xmlns:a16="http://schemas.microsoft.com/office/drawing/2014/main" id="{28C77962-0953-43A2-8C61-AFF957D267DC}"/>
+              </a:ext>
+            </a:extLst>
+          </p:cNvPr>
+          <p:cNvSpPr/>
+          <p:nvPr/>
+        </p:nvSpPr>
+        <p:spPr>
+          <a:xfrm>
+            <a:off x="434395" y="2601117"/>
+            <a:ext cx="1838244" cy="1830108"/>
+          </a:xfrm>
+          <a:prstGeom prst="leftArrow">
+            <a:avLst/>
+          </a:prstGeom>
+          <a:solidFill>
+            <a:schemeClr val="bg1"/>
+          </a:solidFill>
+        </p:spPr>
+        <p:style>
+          <a:lnRef idx="2">
+            <a:schemeClr val="dk1"/>
+          </a:lnRef>
+          <a:fillRef idx="1">
+            <a:schemeClr val="lt1"/>
+          </a:fillRef>
+          <a:effectRef idx="0">
+            <a:schemeClr val="dk1"/>
+          </a:effectRef>
+          <a:fontRef idx="minor">
+            <a:schemeClr val="dk1"/>
+          </a:fontRef>
+        </p:style>
+        <p:txBody>
+          <a:bodyPr rtlCol="0" anchor="ctr"/>
+          <a:lstStyle/>
+          <a:p>
+            <a:pPr algn="ctr"/>
+            <a:r>
+              <a:rPr lang="zh-CN" altLang="en-US" dirty="0"/>
+              <a:t>节点信息</a:t>
+            </a:r>
+            <a:endParaRPr lang="en-US" altLang="zh-CN" dirty="0"/>
+          </a:p>
+          <a:p>
+            <a:pPr algn="ctr"/>
+            <a:r>
+              <a:rPr lang="zh-CN" altLang="en-US" dirty="0"/>
+              <a:t>查询接口</a:t>
+            </a:r>
+          </a:p>
+        </p:txBody>
+      </p:sp>
+      <p:cxnSp>
+        <p:nvCxnSpPr>
+          <p:cNvPr id="72" name="连接符: 肘形 71">
+            <a:extLst>
+              <a:ext uri="{FF2B5EF4-FFF2-40B4-BE49-F238E27FC236}">
+                <a16:creationId xmlns:a16="http://schemas.microsoft.com/office/drawing/2014/main" id="{9B0389F3-EE82-4A1F-B542-5FF157DCC520}"/>
+              </a:ext>
+            </a:extLst>
+          </p:cNvPr>
+          <p:cNvCxnSpPr>
+            <a:cxnSpLocks/>
+            <a:stCxn id="77" idx="0"/>
+            <a:endCxn id="67" idx="3"/>
+          </p:cNvCxnSpPr>
+          <p:nvPr/>
+        </p:nvCxnSpPr>
+        <p:spPr>
+          <a:xfrm rot="16200000" flipH="1" flipV="1">
+            <a:off x="4458318" y="-29288"/>
+            <a:ext cx="2125983" cy="3572342"/>
+          </a:xfrm>
+          <a:prstGeom prst="bentConnector4">
+            <a:avLst>
+              <a:gd name="adj1" fmla="val -10753"/>
+              <a:gd name="adj2" fmla="val 74455"/>
+            </a:avLst>
+          </a:prstGeom>
+          <a:ln>
+            <a:tailEnd type="triangle"/>
+          </a:ln>
+        </p:spPr>
+        <p:style>
+          <a:lnRef idx="3">
+            <a:schemeClr val="dk1"/>
+          </a:lnRef>
+          <a:fillRef idx="0">
+            <a:schemeClr val="dk1"/>
+          </a:fillRef>
+          <a:effectRef idx="2">
+            <a:schemeClr val="dk1"/>
+          </a:effectRef>
+          <a:fontRef idx="minor">
+            <a:schemeClr val="tx1"/>
+          </a:fontRef>
+        </p:style>
+      </p:cxnSp>
+      <p:sp>
+        <p:nvSpPr>
+          <p:cNvPr id="77" name="矩形 76">
+            <a:extLst>
+              <a:ext uri="{FF2B5EF4-FFF2-40B4-BE49-F238E27FC236}">
+                <a16:creationId xmlns:a16="http://schemas.microsoft.com/office/drawing/2014/main" id="{E79BD449-808E-4D11-AD84-C85A551C0FA2}"/>
+              </a:ext>
+            </a:extLst>
+          </p:cNvPr>
+          <p:cNvSpPr/>
+          <p:nvPr/>
+        </p:nvSpPr>
+        <p:spPr>
+          <a:xfrm>
+            <a:off x="6616870" y="693892"/>
+            <a:ext cx="1381221" cy="497840"/>
+          </a:xfrm>
+          <a:prstGeom prst="rect">
+            <a:avLst/>
+          </a:prstGeom>
+        </p:spPr>
+        <p:style>
+          <a:lnRef idx="2">
+            <a:schemeClr val="dk1"/>
+          </a:lnRef>
+          <a:fillRef idx="1">
+            <a:schemeClr val="lt1"/>
+          </a:fillRef>
+          <a:effectRef idx="0">
+            <a:schemeClr val="dk1"/>
+          </a:effectRef>
+          <a:fontRef idx="minor">
+            <a:schemeClr val="dk1"/>
+          </a:fontRef>
+        </p:style>
+        <p:txBody>
+          <a:bodyPr rtlCol="0" anchor="ctr"/>
+          <a:lstStyle/>
+          <a:p>
+            <a:pPr algn="ctr"/>
+            <a:r>
+              <a:rPr lang="zh-CN" altLang="en-US" dirty="0"/>
+              <a:t>服务器信息</a:t>
+            </a:r>
+            <a:endParaRPr lang="en-US" altLang="zh-CN" dirty="0"/>
+          </a:p>
+        </p:txBody>
+      </p:sp>
+    </p:spTree>
+    <p:extLst>
+      <p:ext uri="{BB962C8B-B14F-4D97-AF65-F5344CB8AC3E}">
+        <p14:creationId xmlns:p14="http://schemas.microsoft.com/office/powerpoint/2010/main" val="1418658237"/>
+      </p:ext>
+    </p:extLst>
+  </p:cSld>
+  <p:clrMapOvr>
+    <a:masterClrMapping/>
+  </p:clrMapOvr>
+</p:sld>
+</file>
+
+<file path=ppt/slides/slide15.xml><?xml version="1.0" encoding="utf-8"?>
+<p:sld xmlns:a="http://schemas.openxmlformats.org/drawingml/2006/main" xmlns:r="http://schemas.openxmlformats.org/officeDocument/2006/relationships" xmlns:p="http://schemas.openxmlformats.org/presentationml/2006/main">
+  <p:cSld>
+    <p:spTree>
+      <p:nvGrpSpPr>
+        <p:cNvPr id="1" name=""/>
+        <p:cNvGrpSpPr/>
+        <p:nvPr/>
+      </p:nvGrpSpPr>
+      <p:grpSpPr>
+        <a:xfrm>
+          <a:off x="0" y="0"/>
+          <a:ext cx="0" cy="0"/>
+          <a:chOff x="0" y="0"/>
+          <a:chExt cx="0" cy="0"/>
+        </a:xfrm>
+      </p:grpSpPr>
+      <p:sp>
+        <p:nvSpPr>
+          <p:cNvPr id="2" name="标题 1">
+            <a:extLst>
+              <a:ext uri="{FF2B5EF4-FFF2-40B4-BE49-F238E27FC236}">
+                <a16:creationId xmlns:a16="http://schemas.microsoft.com/office/drawing/2014/main" id="{FFEA2018-C561-49B5-B178-87DD7849C595}"/>
+              </a:ext>
+            </a:extLst>
+          </p:cNvPr>
+          <p:cNvSpPr>
+            <a:spLocks noGrp="1"/>
+          </p:cNvSpPr>
+          <p:nvPr>
+            <p:ph type="title"/>
+          </p:nvPr>
+        </p:nvSpPr>
+        <p:spPr/>
+        <p:txBody>
+          <a:bodyPr/>
+          <a:lstStyle/>
+          <a:p>
+            <a:r>
+              <a:rPr lang="zh-CN" altLang="en-US" dirty="0"/>
+              <a:t>深度优先遍历</a:t>
+            </a:r>
+          </a:p>
+        </p:txBody>
+      </p:sp>
+      <p:sp>
+        <p:nvSpPr>
+          <p:cNvPr id="25" name="流程图: 顺序访问存储器 24">
+            <a:extLst>
+              <a:ext uri="{FF2B5EF4-FFF2-40B4-BE49-F238E27FC236}">
+                <a16:creationId xmlns:a16="http://schemas.microsoft.com/office/drawing/2014/main" id="{158C6999-2C33-4E70-B6AA-EE6C709D778A}"/>
+              </a:ext>
+            </a:extLst>
+          </p:cNvPr>
+          <p:cNvSpPr/>
+          <p:nvPr/>
+        </p:nvSpPr>
+        <p:spPr>
+          <a:xfrm>
+            <a:off x="4247481" y="372875"/>
+            <a:ext cx="6120000" cy="6120000"/>
+          </a:xfrm>
+          <a:prstGeom prst="flowChartMagneticTape">
+            <a:avLst/>
+          </a:prstGeom>
+        </p:spPr>
+        <p:style>
+          <a:lnRef idx="2">
+            <a:schemeClr val="dk1"/>
+          </a:lnRef>
+          <a:fillRef idx="1">
+            <a:schemeClr val="lt1"/>
+          </a:fillRef>
+          <a:effectRef idx="0">
+            <a:schemeClr val="dk1"/>
+          </a:effectRef>
+          <a:fontRef idx="minor">
+            <a:schemeClr val="dk1"/>
+          </a:fontRef>
+        </p:style>
+        <p:txBody>
+          <a:bodyPr rtlCol="0" anchor="t"/>
+          <a:lstStyle/>
+          <a:p>
+            <a:pPr algn="ctr"/>
+            <a:r>
+              <a:rPr lang="en-US" altLang="zh-CN" sz="1600" dirty="0"/>
+              <a:t>Server</a:t>
+            </a:r>
+          </a:p>
+          <a:p>
+            <a:pPr algn="ctr"/>
+            <a:r>
+              <a:rPr lang="zh-CN" altLang="en-US" sz="1600" dirty="0"/>
+              <a:t>服务端</a:t>
+            </a:r>
+          </a:p>
+        </p:txBody>
+      </p:sp>
+      <p:sp>
+        <p:nvSpPr>
+          <p:cNvPr id="23" name="矩形 22">
+            <a:extLst>
+              <a:ext uri="{FF2B5EF4-FFF2-40B4-BE49-F238E27FC236}">
+                <a16:creationId xmlns:a16="http://schemas.microsoft.com/office/drawing/2014/main" id="{4A42981A-5082-4899-9B23-04EA49BBF535}"/>
+              </a:ext>
+            </a:extLst>
+          </p:cNvPr>
+          <p:cNvSpPr/>
+          <p:nvPr/>
+        </p:nvSpPr>
+        <p:spPr>
+          <a:xfrm>
+            <a:off x="2245209" y="1690688"/>
+            <a:ext cx="1717191" cy="371792"/>
+          </a:xfrm>
+          <a:prstGeom prst="rect">
+            <a:avLst/>
+          </a:prstGeom>
+        </p:spPr>
+        <p:style>
+          <a:lnRef idx="2">
+            <a:schemeClr val="dk1"/>
+          </a:lnRef>
+          <a:fillRef idx="1">
+            <a:schemeClr val="lt1"/>
+          </a:fillRef>
+          <a:effectRef idx="0">
+            <a:schemeClr val="dk1"/>
+          </a:effectRef>
+          <a:fontRef idx="minor">
+            <a:schemeClr val="dk1"/>
+          </a:fontRef>
+        </p:style>
+        <p:txBody>
+          <a:bodyPr rtlCol="0" anchor="t"/>
+          <a:lstStyle/>
+          <a:p>
+            <a:pPr algn="ctr"/>
+            <a:r>
+              <a:rPr lang="zh-CN" altLang="en-US" dirty="0"/>
+              <a:t>入度节点信息</a:t>
+            </a:r>
+            <a:r>
+              <a:rPr lang="en-US" altLang="zh-CN" dirty="0"/>
+              <a:t>A</a:t>
+            </a:r>
+            <a:endParaRPr lang="zh-CN" altLang="en-US" dirty="0"/>
+          </a:p>
+        </p:txBody>
+      </p:sp>
+      <p:sp>
+        <p:nvSpPr>
+          <p:cNvPr id="39" name="矩形 38">
+            <a:extLst>
+              <a:ext uri="{FF2B5EF4-FFF2-40B4-BE49-F238E27FC236}">
+                <a16:creationId xmlns:a16="http://schemas.microsoft.com/office/drawing/2014/main" id="{F1ADA4F6-A787-4F96-A6D4-9523E47BCFE2}"/>
+              </a:ext>
+            </a:extLst>
+          </p:cNvPr>
+          <p:cNvSpPr/>
+          <p:nvPr/>
+        </p:nvSpPr>
+        <p:spPr>
+          <a:xfrm>
+            <a:off x="2245209" y="2062480"/>
+            <a:ext cx="1717191" cy="371792"/>
+          </a:xfrm>
+          <a:prstGeom prst="rect">
+            <a:avLst/>
+          </a:prstGeom>
+        </p:spPr>
+        <p:style>
+          <a:lnRef idx="2">
+            <a:schemeClr val="dk1"/>
+          </a:lnRef>
+          <a:fillRef idx="1">
+            <a:schemeClr val="lt1"/>
+          </a:fillRef>
+          <a:effectRef idx="0">
+            <a:schemeClr val="dk1"/>
+          </a:effectRef>
+          <a:fontRef idx="minor">
+            <a:schemeClr val="dk1"/>
+          </a:fontRef>
+        </p:style>
+        <p:txBody>
+          <a:bodyPr rtlCol="0" anchor="t"/>
+          <a:lstStyle/>
+          <a:p>
+            <a:pPr algn="ctr"/>
+            <a:r>
+              <a:rPr lang="zh-CN" altLang="en-US" dirty="0"/>
+              <a:t>入度节点信息</a:t>
+            </a:r>
+            <a:r>
+              <a:rPr lang="en-US" altLang="zh-CN" dirty="0"/>
+              <a:t>B</a:t>
+            </a:r>
+            <a:endParaRPr lang="zh-CN" altLang="en-US" dirty="0"/>
+          </a:p>
+        </p:txBody>
+      </p:sp>
+      <p:sp>
+        <p:nvSpPr>
+          <p:cNvPr id="40" name="矩形 39">
+            <a:extLst>
+              <a:ext uri="{FF2B5EF4-FFF2-40B4-BE49-F238E27FC236}">
+                <a16:creationId xmlns:a16="http://schemas.microsoft.com/office/drawing/2014/main" id="{C1E9B60B-3B7A-4897-BF0F-F568F029106B}"/>
+              </a:ext>
+            </a:extLst>
+          </p:cNvPr>
+          <p:cNvSpPr/>
+          <p:nvPr/>
+        </p:nvSpPr>
+        <p:spPr>
+          <a:xfrm>
+            <a:off x="2245208" y="2434272"/>
+            <a:ext cx="1717191" cy="371792"/>
+          </a:xfrm>
+          <a:prstGeom prst="rect">
+            <a:avLst/>
+          </a:prstGeom>
+        </p:spPr>
+        <p:style>
+          <a:lnRef idx="2">
+            <a:schemeClr val="dk1"/>
+          </a:lnRef>
+          <a:fillRef idx="1">
+            <a:schemeClr val="lt1"/>
+          </a:fillRef>
+          <a:effectRef idx="0">
+            <a:schemeClr val="dk1"/>
+          </a:effectRef>
+          <a:fontRef idx="minor">
+            <a:schemeClr val="dk1"/>
+          </a:fontRef>
+        </p:style>
+        <p:txBody>
+          <a:bodyPr rtlCol="0" anchor="t"/>
+          <a:lstStyle/>
+          <a:p>
+            <a:pPr algn="ctr"/>
+            <a:r>
+              <a:rPr lang="zh-CN" altLang="en-US" dirty="0"/>
+              <a:t>入度节点信息</a:t>
+            </a:r>
+            <a:r>
+              <a:rPr lang="en-US" altLang="zh-CN" dirty="0"/>
+              <a:t>C</a:t>
+            </a:r>
+            <a:endParaRPr lang="zh-CN" altLang="en-US" dirty="0"/>
+          </a:p>
+        </p:txBody>
+      </p:sp>
+      <p:sp>
+        <p:nvSpPr>
+          <p:cNvPr id="41" name="矩形 40">
+            <a:extLst>
+              <a:ext uri="{FF2B5EF4-FFF2-40B4-BE49-F238E27FC236}">
+                <a16:creationId xmlns:a16="http://schemas.microsoft.com/office/drawing/2014/main" id="{A99C30B3-04A6-47B0-BB50-848B1166662F}"/>
+              </a:ext>
+            </a:extLst>
+          </p:cNvPr>
+          <p:cNvSpPr/>
+          <p:nvPr/>
+        </p:nvSpPr>
+        <p:spPr>
+          <a:xfrm>
+            <a:off x="2245209" y="3866041"/>
+            <a:ext cx="1717191" cy="371792"/>
+          </a:xfrm>
+          <a:prstGeom prst="rect">
+            <a:avLst/>
+          </a:prstGeom>
+        </p:spPr>
+        <p:style>
+          <a:lnRef idx="2">
+            <a:schemeClr val="dk1"/>
+          </a:lnRef>
+          <a:fillRef idx="1">
+            <a:schemeClr val="lt1"/>
+          </a:fillRef>
+          <a:effectRef idx="0">
+            <a:schemeClr val="dk1"/>
+          </a:effectRef>
+          <a:fontRef idx="minor">
+            <a:schemeClr val="dk1"/>
+          </a:fontRef>
+        </p:style>
+        <p:txBody>
+          <a:bodyPr rtlCol="0" anchor="t"/>
+          <a:lstStyle/>
+          <a:p>
+            <a:pPr algn="ctr"/>
+            <a:r>
+              <a:rPr lang="zh-CN" altLang="en-US" dirty="0"/>
+              <a:t>出度节点信息</a:t>
+            </a:r>
+            <a:r>
+              <a:rPr lang="en-US" altLang="zh-CN" dirty="0"/>
+              <a:t>A</a:t>
+            </a:r>
+            <a:endParaRPr lang="zh-CN" altLang="en-US" dirty="0"/>
+          </a:p>
+        </p:txBody>
+      </p:sp>
+      <p:sp>
+        <p:nvSpPr>
+          <p:cNvPr id="42" name="矩形 41">
+            <a:extLst>
+              <a:ext uri="{FF2B5EF4-FFF2-40B4-BE49-F238E27FC236}">
+                <a16:creationId xmlns:a16="http://schemas.microsoft.com/office/drawing/2014/main" id="{F30B91F0-078C-482B-84A1-7E4C3F2BBCBA}"/>
+              </a:ext>
+            </a:extLst>
+          </p:cNvPr>
+          <p:cNvSpPr/>
+          <p:nvPr/>
+        </p:nvSpPr>
+        <p:spPr>
+          <a:xfrm>
+            <a:off x="2245209" y="4237833"/>
+            <a:ext cx="1717191" cy="371792"/>
+          </a:xfrm>
+          <a:prstGeom prst="rect">
+            <a:avLst/>
+          </a:prstGeom>
+        </p:spPr>
+        <p:style>
+          <a:lnRef idx="2">
+            <a:schemeClr val="dk1"/>
+          </a:lnRef>
+          <a:fillRef idx="1">
+            <a:schemeClr val="lt1"/>
+          </a:fillRef>
+          <a:effectRef idx="0">
+            <a:schemeClr val="dk1"/>
+          </a:effectRef>
+          <a:fontRef idx="minor">
+            <a:schemeClr val="dk1"/>
+          </a:fontRef>
+        </p:style>
+        <p:txBody>
+          <a:bodyPr rtlCol="0" anchor="t"/>
+          <a:lstStyle/>
+          <a:p>
+            <a:pPr algn="ctr"/>
+            <a:r>
+              <a:rPr lang="zh-CN" altLang="en-US" dirty="0"/>
+              <a:t>出度节点信息</a:t>
+            </a:r>
+            <a:r>
+              <a:rPr lang="en-US" altLang="zh-CN" dirty="0"/>
+              <a:t>B</a:t>
+            </a:r>
+            <a:endParaRPr lang="zh-CN" altLang="en-US" dirty="0"/>
+          </a:p>
+        </p:txBody>
+      </p:sp>
+      <p:sp>
+        <p:nvSpPr>
+          <p:cNvPr id="43" name="矩形 42">
+            <a:extLst>
+              <a:ext uri="{FF2B5EF4-FFF2-40B4-BE49-F238E27FC236}">
+                <a16:creationId xmlns:a16="http://schemas.microsoft.com/office/drawing/2014/main" id="{78EE375C-359A-4020-90E3-9C18BFCD2242}"/>
+              </a:ext>
+            </a:extLst>
+          </p:cNvPr>
+          <p:cNvSpPr/>
+          <p:nvPr/>
+        </p:nvSpPr>
+        <p:spPr>
+          <a:xfrm>
+            <a:off x="2245208" y="4609625"/>
+            <a:ext cx="1717191" cy="371792"/>
+          </a:xfrm>
+          <a:prstGeom prst="rect">
+            <a:avLst/>
+          </a:prstGeom>
+        </p:spPr>
+        <p:style>
+          <a:lnRef idx="2">
+            <a:schemeClr val="dk1"/>
+          </a:lnRef>
+          <a:fillRef idx="1">
+            <a:schemeClr val="lt1"/>
+          </a:fillRef>
+          <a:effectRef idx="0">
+            <a:schemeClr val="dk1"/>
+          </a:effectRef>
+          <a:fontRef idx="minor">
+            <a:schemeClr val="dk1"/>
+          </a:fontRef>
+        </p:style>
+        <p:txBody>
+          <a:bodyPr rtlCol="0" anchor="t"/>
+          <a:lstStyle/>
+          <a:p>
+            <a:pPr algn="ctr"/>
+            <a:r>
+              <a:rPr lang="zh-CN" altLang="en-US" dirty="0"/>
+              <a:t>出度节点信息</a:t>
+            </a:r>
+            <a:r>
+              <a:rPr lang="en-US" altLang="zh-CN" dirty="0"/>
+              <a:t>C</a:t>
+            </a:r>
+            <a:endParaRPr lang="zh-CN" altLang="en-US" dirty="0"/>
+          </a:p>
+        </p:txBody>
+      </p:sp>
+      <p:cxnSp>
+        <p:nvCxnSpPr>
+          <p:cNvPr id="4" name="直接箭头连接符 3">
+            <a:extLst>
+              <a:ext uri="{FF2B5EF4-FFF2-40B4-BE49-F238E27FC236}">
+                <a16:creationId xmlns:a16="http://schemas.microsoft.com/office/drawing/2014/main" id="{81909FB9-A1E0-45D2-9748-1F240B87DF62}"/>
+              </a:ext>
+            </a:extLst>
+          </p:cNvPr>
+          <p:cNvCxnSpPr>
+            <a:stCxn id="49" idx="1"/>
+            <a:endCxn id="41" idx="3"/>
+          </p:cNvCxnSpPr>
+          <p:nvPr/>
+        </p:nvCxnSpPr>
+        <p:spPr>
+          <a:xfrm flipH="1">
+            <a:off x="3962400" y="3581400"/>
+            <a:ext cx="1442569" cy="470537"/>
+          </a:xfrm>
+          <a:prstGeom prst="straightConnector1">
+            <a:avLst/>
+          </a:prstGeom>
+          <a:ln>
+            <a:tailEnd type="triangle"/>
+          </a:ln>
+        </p:spPr>
+        <p:style>
+          <a:lnRef idx="3">
+            <a:schemeClr val="dk1"/>
+          </a:lnRef>
+          <a:fillRef idx="0">
+            <a:schemeClr val="dk1"/>
+          </a:fillRef>
+          <a:effectRef idx="2">
+            <a:schemeClr val="dk1"/>
+          </a:effectRef>
+          <a:fontRef idx="minor">
+            <a:schemeClr val="tx1"/>
+          </a:fontRef>
+        </p:style>
+      </p:cxnSp>
+      <p:cxnSp>
+        <p:nvCxnSpPr>
+          <p:cNvPr id="44" name="直接箭头连接符 43">
+            <a:extLst>
+              <a:ext uri="{FF2B5EF4-FFF2-40B4-BE49-F238E27FC236}">
+                <a16:creationId xmlns:a16="http://schemas.microsoft.com/office/drawing/2014/main" id="{4F1FAF1C-807B-49D7-9A00-A50B71E1E279}"/>
+              </a:ext>
+            </a:extLst>
+          </p:cNvPr>
+          <p:cNvCxnSpPr>
+            <a:cxnSpLocks/>
+            <a:stCxn id="49" idx="1"/>
+            <a:endCxn id="42" idx="3"/>
+          </p:cNvCxnSpPr>
+          <p:nvPr/>
+        </p:nvCxnSpPr>
+        <p:spPr>
+          <a:xfrm flipH="1">
+            <a:off x="3962400" y="3581400"/>
+            <a:ext cx="1442569" cy="842329"/>
+          </a:xfrm>
+          <a:prstGeom prst="straightConnector1">
+            <a:avLst/>
+          </a:prstGeom>
+          <a:ln>
+            <a:tailEnd type="triangle"/>
+          </a:ln>
+        </p:spPr>
+        <p:style>
+          <a:lnRef idx="3">
+            <a:schemeClr val="dk1"/>
+          </a:lnRef>
+          <a:fillRef idx="0">
+            <a:schemeClr val="dk1"/>
+          </a:fillRef>
+          <a:effectRef idx="2">
+            <a:schemeClr val="dk1"/>
+          </a:effectRef>
+          <a:fontRef idx="minor">
+            <a:schemeClr val="tx1"/>
+          </a:fontRef>
+        </p:style>
+      </p:cxnSp>
+      <p:cxnSp>
+        <p:nvCxnSpPr>
+          <p:cNvPr id="45" name="直接箭头连接符 44">
+            <a:extLst>
+              <a:ext uri="{FF2B5EF4-FFF2-40B4-BE49-F238E27FC236}">
+                <a16:creationId xmlns:a16="http://schemas.microsoft.com/office/drawing/2014/main" id="{06264CC5-3661-4045-AB9D-62F9D518BA5A}"/>
+              </a:ext>
+            </a:extLst>
+          </p:cNvPr>
+          <p:cNvCxnSpPr>
+            <a:cxnSpLocks/>
+            <a:stCxn id="49" idx="1"/>
+            <a:endCxn id="43" idx="3"/>
+          </p:cNvCxnSpPr>
+          <p:nvPr/>
+        </p:nvCxnSpPr>
+        <p:spPr>
+          <a:xfrm flipH="1">
+            <a:off x="3962399" y="3581400"/>
+            <a:ext cx="1442570" cy="1214121"/>
+          </a:xfrm>
+          <a:prstGeom prst="straightConnector1">
+            <a:avLst/>
+          </a:prstGeom>
+          <a:ln>
+            <a:tailEnd type="triangle"/>
+          </a:ln>
+        </p:spPr>
+        <p:style>
+          <a:lnRef idx="3">
+            <a:schemeClr val="dk1"/>
+          </a:lnRef>
+          <a:fillRef idx="0">
+            <a:schemeClr val="dk1"/>
+          </a:fillRef>
+          <a:effectRef idx="2">
+            <a:schemeClr val="dk1"/>
+          </a:effectRef>
+          <a:fontRef idx="minor">
+            <a:schemeClr val="tx1"/>
+          </a:fontRef>
+        </p:style>
+      </p:cxnSp>
+      <p:cxnSp>
+        <p:nvCxnSpPr>
+          <p:cNvPr id="46" name="直接箭头连接符 45">
+            <a:extLst>
+              <a:ext uri="{FF2B5EF4-FFF2-40B4-BE49-F238E27FC236}">
+                <a16:creationId xmlns:a16="http://schemas.microsoft.com/office/drawing/2014/main" id="{89EE11AF-1D45-488C-8E15-786EAC627DB3}"/>
+              </a:ext>
+            </a:extLst>
+          </p:cNvPr>
+          <p:cNvCxnSpPr>
+            <a:cxnSpLocks/>
+            <a:stCxn id="48" idx="1"/>
+            <a:endCxn id="23" idx="3"/>
+          </p:cNvCxnSpPr>
+          <p:nvPr/>
+        </p:nvCxnSpPr>
+        <p:spPr>
+          <a:xfrm flipH="1" flipV="1">
+            <a:off x="3962400" y="1876584"/>
+            <a:ext cx="1442569" cy="1206976"/>
+          </a:xfrm>
+          <a:prstGeom prst="straightConnector1">
+            <a:avLst/>
+          </a:prstGeom>
+          <a:ln>
+            <a:tailEnd type="triangle"/>
+          </a:ln>
+        </p:spPr>
+        <p:style>
+          <a:lnRef idx="3">
+            <a:schemeClr val="dk1"/>
+          </a:lnRef>
+          <a:fillRef idx="0">
+            <a:schemeClr val="dk1"/>
+          </a:fillRef>
+          <a:effectRef idx="2">
+            <a:schemeClr val="dk1"/>
+          </a:effectRef>
+          <a:fontRef idx="minor">
+            <a:schemeClr val="tx1"/>
+          </a:fontRef>
+        </p:style>
+      </p:cxnSp>
+      <p:cxnSp>
+        <p:nvCxnSpPr>
+          <p:cNvPr id="47" name="直接箭头连接符 46">
+            <a:extLst>
+              <a:ext uri="{FF2B5EF4-FFF2-40B4-BE49-F238E27FC236}">
+                <a16:creationId xmlns:a16="http://schemas.microsoft.com/office/drawing/2014/main" id="{542E3964-14F0-47EB-9657-32D3D64A4C72}"/>
+              </a:ext>
+            </a:extLst>
+          </p:cNvPr>
+          <p:cNvCxnSpPr>
+            <a:cxnSpLocks/>
+            <a:stCxn id="48" idx="1"/>
+            <a:endCxn id="39" idx="3"/>
+          </p:cNvCxnSpPr>
+          <p:nvPr/>
+        </p:nvCxnSpPr>
+        <p:spPr>
+          <a:xfrm flipH="1" flipV="1">
+            <a:off x="3962400" y="2248376"/>
+            <a:ext cx="1442569" cy="835184"/>
+          </a:xfrm>
+          <a:prstGeom prst="straightConnector1">
+            <a:avLst/>
+          </a:prstGeom>
+          <a:ln>
+            <a:tailEnd type="triangle"/>
+          </a:ln>
+        </p:spPr>
+        <p:style>
+          <a:lnRef idx="3">
+            <a:schemeClr val="dk1"/>
+          </a:lnRef>
+          <a:fillRef idx="0">
+            <a:schemeClr val="dk1"/>
+          </a:fillRef>
+          <a:effectRef idx="2">
+            <a:schemeClr val="dk1"/>
+          </a:effectRef>
+          <a:fontRef idx="minor">
+            <a:schemeClr val="tx1"/>
+          </a:fontRef>
+        </p:style>
+      </p:cxnSp>
+      <p:cxnSp>
+        <p:nvCxnSpPr>
+          <p:cNvPr id="52" name="直接箭头连接符 51">
+            <a:extLst>
+              <a:ext uri="{FF2B5EF4-FFF2-40B4-BE49-F238E27FC236}">
+                <a16:creationId xmlns:a16="http://schemas.microsoft.com/office/drawing/2014/main" id="{715AA9EC-D8FB-4070-BE64-4C1D4AB0382A}"/>
+              </a:ext>
+            </a:extLst>
+          </p:cNvPr>
+          <p:cNvCxnSpPr>
+            <a:cxnSpLocks/>
+            <a:stCxn id="48" idx="1"/>
+            <a:endCxn id="40" idx="3"/>
+          </p:cNvCxnSpPr>
+          <p:nvPr/>
+        </p:nvCxnSpPr>
+        <p:spPr>
+          <a:xfrm flipH="1" flipV="1">
+            <a:off x="3962399" y="2620168"/>
+            <a:ext cx="1442570" cy="463392"/>
+          </a:xfrm>
+          <a:prstGeom prst="straightConnector1">
+            <a:avLst/>
+          </a:prstGeom>
+          <a:ln>
+            <a:tailEnd type="triangle"/>
+          </a:ln>
+        </p:spPr>
+        <p:style>
+          <a:lnRef idx="3">
+            <a:schemeClr val="dk1"/>
+          </a:lnRef>
+          <a:fillRef idx="0">
+            <a:schemeClr val="dk1"/>
+          </a:fillRef>
+          <a:effectRef idx="2">
+            <a:schemeClr val="dk1"/>
+          </a:effectRef>
+          <a:fontRef idx="minor">
+            <a:schemeClr val="tx1"/>
+          </a:fontRef>
+        </p:style>
+      </p:cxnSp>
+      <p:sp>
+        <p:nvSpPr>
+          <p:cNvPr id="15" name="文本框 14">
+            <a:extLst>
+              <a:ext uri="{FF2B5EF4-FFF2-40B4-BE49-F238E27FC236}">
+                <a16:creationId xmlns:a16="http://schemas.microsoft.com/office/drawing/2014/main" id="{E7602605-B5AA-4D7E-8C32-900AF329B14D}"/>
+              </a:ext>
+            </a:extLst>
+          </p:cNvPr>
+          <p:cNvSpPr txBox="1"/>
+          <p:nvPr/>
+        </p:nvSpPr>
+        <p:spPr>
+          <a:xfrm>
+            <a:off x="1727047" y="3645654"/>
+            <a:ext cx="646331" cy="369332"/>
+          </a:xfrm>
+          <a:prstGeom prst="rect">
+            <a:avLst/>
+          </a:prstGeom>
+          <a:noFill/>
+        </p:spPr>
+        <p:txBody>
+          <a:bodyPr wrap="none" rtlCol="0">
+            <a:spAutoFit/>
+          </a:bodyPr>
+          <a:lstStyle/>
+          <a:p>
+            <a:r>
+              <a:rPr lang="zh-CN" altLang="en-US" dirty="0"/>
+              <a:t>查询</a:t>
+            </a:r>
+          </a:p>
+        </p:txBody>
+      </p:sp>
+      <p:cxnSp>
+        <p:nvCxnSpPr>
+          <p:cNvPr id="55" name="直接箭头连接符 54">
+            <a:extLst>
+              <a:ext uri="{FF2B5EF4-FFF2-40B4-BE49-F238E27FC236}">
+                <a16:creationId xmlns:a16="http://schemas.microsoft.com/office/drawing/2014/main" id="{99141E2A-31BE-4FCF-A25A-D3CA9ED18D0E}"/>
+              </a:ext>
+            </a:extLst>
+          </p:cNvPr>
+          <p:cNvCxnSpPr>
+            <a:cxnSpLocks/>
+            <a:stCxn id="23" idx="1"/>
+          </p:cNvCxnSpPr>
+          <p:nvPr/>
+        </p:nvCxnSpPr>
+        <p:spPr>
+          <a:xfrm flipH="1">
+            <a:off x="1717040" y="1876584"/>
+            <a:ext cx="528169" cy="0"/>
+          </a:xfrm>
+          <a:prstGeom prst="straightConnector1">
+            <a:avLst/>
+          </a:prstGeom>
+          <a:ln>
+            <a:tailEnd type="triangle"/>
+          </a:ln>
+        </p:spPr>
+        <p:style>
+          <a:lnRef idx="3">
+            <a:schemeClr val="dk1"/>
+          </a:lnRef>
+          <a:fillRef idx="0">
+            <a:schemeClr val="dk1"/>
+          </a:fillRef>
+          <a:effectRef idx="2">
+            <a:schemeClr val="dk1"/>
+          </a:effectRef>
+          <a:fontRef idx="minor">
+            <a:schemeClr val="tx1"/>
+          </a:fontRef>
+        </p:style>
+      </p:cxnSp>
+      <p:cxnSp>
+        <p:nvCxnSpPr>
+          <p:cNvPr id="58" name="直接箭头连接符 57">
+            <a:extLst>
+              <a:ext uri="{FF2B5EF4-FFF2-40B4-BE49-F238E27FC236}">
+                <a16:creationId xmlns:a16="http://schemas.microsoft.com/office/drawing/2014/main" id="{3E92BC98-42E8-415C-988F-5EC0A45EB00A}"/>
+              </a:ext>
+            </a:extLst>
+          </p:cNvPr>
+          <p:cNvCxnSpPr>
+            <a:cxnSpLocks/>
+          </p:cNvCxnSpPr>
+          <p:nvPr/>
+        </p:nvCxnSpPr>
+        <p:spPr>
+          <a:xfrm flipH="1">
+            <a:off x="1717040" y="2248376"/>
+            <a:ext cx="528169" cy="0"/>
+          </a:xfrm>
+          <a:prstGeom prst="straightConnector1">
+            <a:avLst/>
+          </a:prstGeom>
+          <a:ln>
+            <a:tailEnd type="triangle"/>
+          </a:ln>
+        </p:spPr>
+        <p:style>
+          <a:lnRef idx="3">
+            <a:schemeClr val="dk1"/>
+          </a:lnRef>
+          <a:fillRef idx="0">
+            <a:schemeClr val="dk1"/>
+          </a:fillRef>
+          <a:effectRef idx="2">
+            <a:schemeClr val="dk1"/>
+          </a:effectRef>
+          <a:fontRef idx="minor">
+            <a:schemeClr val="tx1"/>
+          </a:fontRef>
+        </p:style>
+      </p:cxnSp>
+      <p:cxnSp>
+        <p:nvCxnSpPr>
+          <p:cNvPr id="59" name="直接箭头连接符 58">
+            <a:extLst>
+              <a:ext uri="{FF2B5EF4-FFF2-40B4-BE49-F238E27FC236}">
+                <a16:creationId xmlns:a16="http://schemas.microsoft.com/office/drawing/2014/main" id="{D72EAE88-2CA5-4A39-BA47-A002D8FCD59D}"/>
+              </a:ext>
+            </a:extLst>
+          </p:cNvPr>
+          <p:cNvCxnSpPr>
+            <a:cxnSpLocks/>
+          </p:cNvCxnSpPr>
+          <p:nvPr/>
+        </p:nvCxnSpPr>
+        <p:spPr>
+          <a:xfrm flipH="1">
+            <a:off x="1717040" y="2620168"/>
+            <a:ext cx="528169" cy="0"/>
+          </a:xfrm>
+          <a:prstGeom prst="straightConnector1">
+            <a:avLst/>
+          </a:prstGeom>
+          <a:ln>
+            <a:tailEnd type="triangle"/>
+          </a:ln>
+        </p:spPr>
+        <p:style>
+          <a:lnRef idx="3">
+            <a:schemeClr val="dk1"/>
+          </a:lnRef>
+          <a:fillRef idx="0">
+            <a:schemeClr val="dk1"/>
+          </a:fillRef>
+          <a:effectRef idx="2">
+            <a:schemeClr val="dk1"/>
+          </a:effectRef>
+          <a:fontRef idx="minor">
+            <a:schemeClr val="tx1"/>
+          </a:fontRef>
+        </p:style>
+      </p:cxnSp>
+      <p:cxnSp>
+        <p:nvCxnSpPr>
+          <p:cNvPr id="61" name="直接箭头连接符 60">
+            <a:extLst>
+              <a:ext uri="{FF2B5EF4-FFF2-40B4-BE49-F238E27FC236}">
+                <a16:creationId xmlns:a16="http://schemas.microsoft.com/office/drawing/2014/main" id="{E88C03B8-C449-4AAA-BBAD-9D5F7F1E63B1}"/>
+              </a:ext>
+            </a:extLst>
+          </p:cNvPr>
+          <p:cNvCxnSpPr>
+            <a:cxnSpLocks/>
+          </p:cNvCxnSpPr>
+          <p:nvPr/>
+        </p:nvCxnSpPr>
+        <p:spPr>
+          <a:xfrm flipH="1">
+            <a:off x="1717040" y="4051937"/>
+            <a:ext cx="528169" cy="0"/>
+          </a:xfrm>
+          <a:prstGeom prst="straightConnector1">
+            <a:avLst/>
+          </a:prstGeom>
+          <a:ln>
+            <a:tailEnd type="triangle"/>
+          </a:ln>
+        </p:spPr>
+        <p:style>
+          <a:lnRef idx="3">
+            <a:schemeClr val="dk1"/>
+          </a:lnRef>
+          <a:fillRef idx="0">
+            <a:schemeClr val="dk1"/>
+          </a:fillRef>
+          <a:effectRef idx="2">
+            <a:schemeClr val="dk1"/>
+          </a:effectRef>
+          <a:fontRef idx="minor">
+            <a:schemeClr val="tx1"/>
+          </a:fontRef>
+        </p:style>
+      </p:cxnSp>
+      <p:cxnSp>
+        <p:nvCxnSpPr>
+          <p:cNvPr id="62" name="直接箭头连接符 61">
+            <a:extLst>
+              <a:ext uri="{FF2B5EF4-FFF2-40B4-BE49-F238E27FC236}">
+                <a16:creationId xmlns:a16="http://schemas.microsoft.com/office/drawing/2014/main" id="{5C2E59CE-61FA-49A7-8F82-DBBCCC3E4714}"/>
+              </a:ext>
+            </a:extLst>
+          </p:cNvPr>
+          <p:cNvCxnSpPr>
+            <a:cxnSpLocks/>
+          </p:cNvCxnSpPr>
+          <p:nvPr/>
+        </p:nvCxnSpPr>
+        <p:spPr>
+          <a:xfrm flipH="1">
+            <a:off x="1717039" y="4423729"/>
+            <a:ext cx="528169" cy="0"/>
+          </a:xfrm>
+          <a:prstGeom prst="straightConnector1">
+            <a:avLst/>
+          </a:prstGeom>
+          <a:ln>
+            <a:tailEnd type="triangle"/>
+          </a:ln>
+        </p:spPr>
+        <p:style>
+          <a:lnRef idx="3">
+            <a:schemeClr val="dk1"/>
+          </a:lnRef>
+          <a:fillRef idx="0">
+            <a:schemeClr val="dk1"/>
+          </a:fillRef>
+          <a:effectRef idx="2">
+            <a:schemeClr val="dk1"/>
+          </a:effectRef>
+          <a:fontRef idx="minor">
+            <a:schemeClr val="tx1"/>
+          </a:fontRef>
+        </p:style>
+      </p:cxnSp>
+      <p:cxnSp>
+        <p:nvCxnSpPr>
+          <p:cNvPr id="63" name="直接箭头连接符 62">
+            <a:extLst>
+              <a:ext uri="{FF2B5EF4-FFF2-40B4-BE49-F238E27FC236}">
+                <a16:creationId xmlns:a16="http://schemas.microsoft.com/office/drawing/2014/main" id="{134890F2-E0C7-44DF-B83B-9C9FC31F2D10}"/>
+              </a:ext>
+            </a:extLst>
+          </p:cNvPr>
+          <p:cNvCxnSpPr>
+            <a:cxnSpLocks/>
+          </p:cNvCxnSpPr>
+          <p:nvPr/>
+        </p:nvCxnSpPr>
+        <p:spPr>
+          <a:xfrm flipH="1">
+            <a:off x="1717039" y="4795521"/>
+            <a:ext cx="528169" cy="0"/>
+          </a:xfrm>
+          <a:prstGeom prst="straightConnector1">
+            <a:avLst/>
+          </a:prstGeom>
+          <a:ln>
+            <a:tailEnd type="triangle"/>
+          </a:ln>
+        </p:spPr>
+        <p:style>
+          <a:lnRef idx="3">
+            <a:schemeClr val="dk1"/>
+          </a:lnRef>
+          <a:fillRef idx="0">
+            <a:schemeClr val="dk1"/>
+          </a:fillRef>
+          <a:effectRef idx="2">
+            <a:schemeClr val="dk1"/>
+          </a:effectRef>
+          <a:fontRef idx="minor">
+            <a:schemeClr val="tx1"/>
+          </a:fontRef>
+        </p:style>
+      </p:cxnSp>
+      <p:sp>
+        <p:nvSpPr>
+          <p:cNvPr id="64" name="文本框 63">
+            <a:extLst>
+              <a:ext uri="{FF2B5EF4-FFF2-40B4-BE49-F238E27FC236}">
+                <a16:creationId xmlns:a16="http://schemas.microsoft.com/office/drawing/2014/main" id="{8DFF0B83-84DF-46A1-B2CE-CCC0A416F551}"/>
+              </a:ext>
+            </a:extLst>
+          </p:cNvPr>
+          <p:cNvSpPr txBox="1"/>
+          <p:nvPr/>
+        </p:nvSpPr>
+        <p:spPr>
+          <a:xfrm>
+            <a:off x="1665935" y="2689106"/>
+            <a:ext cx="646331" cy="369332"/>
+          </a:xfrm>
+          <a:prstGeom prst="rect">
+            <a:avLst/>
+          </a:prstGeom>
+          <a:noFill/>
+        </p:spPr>
+        <p:txBody>
+          <a:bodyPr wrap="none" rtlCol="0">
+            <a:spAutoFit/>
+          </a:bodyPr>
+          <a:lstStyle/>
+          <a:p>
+            <a:r>
+              <a:rPr lang="zh-CN" altLang="en-US" dirty="0"/>
+              <a:t>查询</a:t>
+            </a:r>
+          </a:p>
+        </p:txBody>
+      </p:sp>
+      <p:sp>
+        <p:nvSpPr>
+          <p:cNvPr id="66" name="文本框 65">
+            <a:extLst>
+              <a:ext uri="{FF2B5EF4-FFF2-40B4-BE49-F238E27FC236}">
+                <a16:creationId xmlns:a16="http://schemas.microsoft.com/office/drawing/2014/main" id="{91337A6D-F378-4F4B-B009-D4C0F342CC8C}"/>
+              </a:ext>
+            </a:extLst>
+          </p:cNvPr>
+          <p:cNvSpPr txBox="1"/>
+          <p:nvPr/>
+        </p:nvSpPr>
+        <p:spPr>
+          <a:xfrm>
+            <a:off x="3158912" y="2806064"/>
+            <a:ext cx="800219" cy="369332"/>
+          </a:xfrm>
+          <a:prstGeom prst="rect">
+            <a:avLst/>
+          </a:prstGeom>
+          <a:noFill/>
+        </p:spPr>
+        <p:txBody>
+          <a:bodyPr wrap="none" rtlCol="0">
+            <a:spAutoFit/>
+          </a:bodyPr>
+          <a:lstStyle/>
+          <a:p>
+            <a:r>
+              <a:rPr lang="en-US" altLang="zh-CN" dirty="0"/>
+              <a:t>············</a:t>
+            </a:r>
+            <a:endParaRPr lang="zh-CN" altLang="en-US" dirty="0"/>
+          </a:p>
+        </p:txBody>
+      </p:sp>
+      <p:cxnSp>
+        <p:nvCxnSpPr>
+          <p:cNvPr id="67" name="直接箭头连接符 66">
+            <a:extLst>
+              <a:ext uri="{FF2B5EF4-FFF2-40B4-BE49-F238E27FC236}">
+                <a16:creationId xmlns:a16="http://schemas.microsoft.com/office/drawing/2014/main" id="{378FEC94-D680-4710-BB43-C0DFD440C486}"/>
+              </a:ext>
+            </a:extLst>
+          </p:cNvPr>
+          <p:cNvCxnSpPr>
+            <a:cxnSpLocks/>
+            <a:stCxn id="48" idx="1"/>
+            <a:endCxn id="66" idx="3"/>
+          </p:cNvCxnSpPr>
+          <p:nvPr/>
+        </p:nvCxnSpPr>
+        <p:spPr>
+          <a:xfrm flipH="1" flipV="1">
+            <a:off x="3959131" y="2990730"/>
+            <a:ext cx="1445838" cy="92830"/>
+          </a:xfrm>
+          <a:prstGeom prst="straightConnector1">
+            <a:avLst/>
+          </a:prstGeom>
+          <a:ln>
+            <a:tailEnd type="triangle"/>
+          </a:ln>
+        </p:spPr>
+        <p:style>
+          <a:lnRef idx="3">
+            <a:schemeClr val="dk1"/>
+          </a:lnRef>
+          <a:fillRef idx="0">
+            <a:schemeClr val="dk1"/>
+          </a:fillRef>
+          <a:effectRef idx="2">
+            <a:schemeClr val="dk1"/>
+          </a:effectRef>
+          <a:fontRef idx="minor">
+            <a:schemeClr val="tx1"/>
+          </a:fontRef>
+        </p:style>
+      </p:cxnSp>
+      <p:sp>
+        <p:nvSpPr>
+          <p:cNvPr id="69" name="文本框 68">
+            <a:extLst>
+              <a:ext uri="{FF2B5EF4-FFF2-40B4-BE49-F238E27FC236}">
+                <a16:creationId xmlns:a16="http://schemas.microsoft.com/office/drawing/2014/main" id="{A35127FB-01C1-4398-9839-EDCE2D226EFF}"/>
+              </a:ext>
+            </a:extLst>
+          </p:cNvPr>
+          <p:cNvSpPr txBox="1"/>
+          <p:nvPr/>
+        </p:nvSpPr>
+        <p:spPr>
+          <a:xfrm>
+            <a:off x="3158912" y="4977288"/>
+            <a:ext cx="800219" cy="369332"/>
+          </a:xfrm>
+          <a:prstGeom prst="rect">
+            <a:avLst/>
+          </a:prstGeom>
+          <a:noFill/>
+        </p:spPr>
+        <p:txBody>
+          <a:bodyPr wrap="none" rtlCol="0">
+            <a:spAutoFit/>
+          </a:bodyPr>
+          <a:lstStyle/>
+          <a:p>
+            <a:r>
+              <a:rPr lang="en-US" altLang="zh-CN" dirty="0"/>
+              <a:t>············</a:t>
+            </a:r>
+            <a:endParaRPr lang="zh-CN" altLang="en-US" dirty="0"/>
+          </a:p>
+        </p:txBody>
+      </p:sp>
+      <p:cxnSp>
+        <p:nvCxnSpPr>
+          <p:cNvPr id="70" name="直接箭头连接符 69">
+            <a:extLst>
+              <a:ext uri="{FF2B5EF4-FFF2-40B4-BE49-F238E27FC236}">
+                <a16:creationId xmlns:a16="http://schemas.microsoft.com/office/drawing/2014/main" id="{E8807AD8-0590-4FF6-A568-DEE81B04D4A2}"/>
+              </a:ext>
+            </a:extLst>
+          </p:cNvPr>
+          <p:cNvCxnSpPr>
+            <a:cxnSpLocks/>
+            <a:stCxn id="49" idx="1"/>
+            <a:endCxn id="69" idx="3"/>
+          </p:cNvCxnSpPr>
+          <p:nvPr/>
+        </p:nvCxnSpPr>
+        <p:spPr>
+          <a:xfrm flipH="1">
+            <a:off x="3959131" y="3581400"/>
+            <a:ext cx="1445838" cy="1580554"/>
+          </a:xfrm>
+          <a:prstGeom prst="straightConnector1">
+            <a:avLst/>
+          </a:prstGeom>
+          <a:ln>
+            <a:tailEnd type="triangle"/>
+          </a:ln>
+        </p:spPr>
+        <p:style>
+          <a:lnRef idx="3">
+            <a:schemeClr val="dk1"/>
+          </a:lnRef>
+          <a:fillRef idx="0">
+            <a:schemeClr val="dk1"/>
+          </a:fillRef>
+          <a:effectRef idx="2">
+            <a:schemeClr val="dk1"/>
+          </a:effectRef>
+          <a:fontRef idx="minor">
+            <a:schemeClr val="tx1"/>
+          </a:fontRef>
+        </p:style>
+      </p:cxnSp>
+      <p:sp>
+        <p:nvSpPr>
+          <p:cNvPr id="73" name="文本框 72">
+            <a:extLst>
+              <a:ext uri="{FF2B5EF4-FFF2-40B4-BE49-F238E27FC236}">
+                <a16:creationId xmlns:a16="http://schemas.microsoft.com/office/drawing/2014/main" id="{EB0925BA-FA93-4528-AD6D-775E41873055}"/>
+              </a:ext>
+            </a:extLst>
+          </p:cNvPr>
+          <p:cNvSpPr txBox="1"/>
+          <p:nvPr/>
+        </p:nvSpPr>
+        <p:spPr>
+          <a:xfrm>
+            <a:off x="926828" y="4600812"/>
+            <a:ext cx="800219" cy="369332"/>
+          </a:xfrm>
+          <a:prstGeom prst="rect">
+            <a:avLst/>
+          </a:prstGeom>
+          <a:noFill/>
+        </p:spPr>
+        <p:txBody>
+          <a:bodyPr wrap="none" rtlCol="0">
+            <a:spAutoFit/>
+          </a:bodyPr>
+          <a:lstStyle/>
+          <a:p>
+            <a:r>
+              <a:rPr lang="en-US" altLang="zh-CN" dirty="0"/>
+              <a:t>············</a:t>
+            </a:r>
+            <a:endParaRPr lang="zh-CN" altLang="en-US" dirty="0"/>
+          </a:p>
+        </p:txBody>
+      </p:sp>
+      <p:sp>
+        <p:nvSpPr>
+          <p:cNvPr id="74" name="文本框 73">
+            <a:extLst>
+              <a:ext uri="{FF2B5EF4-FFF2-40B4-BE49-F238E27FC236}">
+                <a16:creationId xmlns:a16="http://schemas.microsoft.com/office/drawing/2014/main" id="{7C44A322-3B10-4F67-ADAE-C6881651EA32}"/>
+              </a:ext>
+            </a:extLst>
+          </p:cNvPr>
+          <p:cNvSpPr txBox="1"/>
+          <p:nvPr/>
+        </p:nvSpPr>
+        <p:spPr>
+          <a:xfrm>
+            <a:off x="916820" y="3837466"/>
+            <a:ext cx="800219" cy="369332"/>
+          </a:xfrm>
+          <a:prstGeom prst="rect">
+            <a:avLst/>
+          </a:prstGeom>
+          <a:noFill/>
+        </p:spPr>
+        <p:txBody>
+          <a:bodyPr wrap="none" rtlCol="0">
+            <a:spAutoFit/>
+          </a:bodyPr>
+          <a:lstStyle/>
+          <a:p>
+            <a:r>
+              <a:rPr lang="en-US" altLang="zh-CN" dirty="0"/>
+              <a:t>············</a:t>
+            </a:r>
+            <a:endParaRPr lang="zh-CN" altLang="en-US" dirty="0"/>
+          </a:p>
+        </p:txBody>
+      </p:sp>
+      <p:sp>
+        <p:nvSpPr>
+          <p:cNvPr id="75" name="文本框 74">
+            <a:extLst>
+              <a:ext uri="{FF2B5EF4-FFF2-40B4-BE49-F238E27FC236}">
+                <a16:creationId xmlns:a16="http://schemas.microsoft.com/office/drawing/2014/main" id="{4B625970-1CE3-421C-B4B5-4263347F8CE1}"/>
+              </a:ext>
+            </a:extLst>
+          </p:cNvPr>
+          <p:cNvSpPr txBox="1"/>
+          <p:nvPr/>
+        </p:nvSpPr>
+        <p:spPr>
+          <a:xfrm>
+            <a:off x="916819" y="4240710"/>
+            <a:ext cx="800219" cy="369332"/>
+          </a:xfrm>
+          <a:prstGeom prst="rect">
+            <a:avLst/>
+          </a:prstGeom>
+          <a:noFill/>
+        </p:spPr>
+        <p:txBody>
+          <a:bodyPr wrap="none" rtlCol="0">
+            <a:spAutoFit/>
+          </a:bodyPr>
+          <a:lstStyle/>
+          <a:p>
+            <a:r>
+              <a:rPr lang="en-US" altLang="zh-CN" dirty="0"/>
+              <a:t>············</a:t>
+            </a:r>
+            <a:endParaRPr lang="zh-CN" altLang="en-US" dirty="0"/>
+          </a:p>
+        </p:txBody>
+      </p:sp>
+      <p:sp>
+        <p:nvSpPr>
+          <p:cNvPr id="76" name="文本框 75">
+            <a:extLst>
+              <a:ext uri="{FF2B5EF4-FFF2-40B4-BE49-F238E27FC236}">
+                <a16:creationId xmlns:a16="http://schemas.microsoft.com/office/drawing/2014/main" id="{E1BF1E45-7A81-4878-AFE2-8376D8EF56DB}"/>
+              </a:ext>
+            </a:extLst>
+          </p:cNvPr>
+          <p:cNvSpPr txBox="1"/>
+          <p:nvPr/>
+        </p:nvSpPr>
+        <p:spPr>
+          <a:xfrm>
+            <a:off x="926828" y="2433856"/>
+            <a:ext cx="800219" cy="369332"/>
+          </a:xfrm>
+          <a:prstGeom prst="rect">
+            <a:avLst/>
+          </a:prstGeom>
+          <a:noFill/>
+        </p:spPr>
+        <p:txBody>
+          <a:bodyPr wrap="none" rtlCol="0">
+            <a:spAutoFit/>
+          </a:bodyPr>
+          <a:lstStyle/>
+          <a:p>
+            <a:r>
+              <a:rPr lang="en-US" altLang="zh-CN" dirty="0"/>
+              <a:t>············</a:t>
+            </a:r>
+            <a:endParaRPr lang="zh-CN" altLang="en-US" dirty="0"/>
+          </a:p>
+        </p:txBody>
+      </p:sp>
+      <p:sp>
+        <p:nvSpPr>
+          <p:cNvPr id="77" name="文本框 76">
+            <a:extLst>
+              <a:ext uri="{FF2B5EF4-FFF2-40B4-BE49-F238E27FC236}">
+                <a16:creationId xmlns:a16="http://schemas.microsoft.com/office/drawing/2014/main" id="{24A30208-480C-4D1E-AE04-7C91DFCE5262}"/>
+              </a:ext>
+            </a:extLst>
+          </p:cNvPr>
+          <p:cNvSpPr txBox="1"/>
+          <p:nvPr/>
+        </p:nvSpPr>
+        <p:spPr>
+          <a:xfrm>
+            <a:off x="916818" y="2068535"/>
+            <a:ext cx="800219" cy="369332"/>
+          </a:xfrm>
+          <a:prstGeom prst="rect">
+            <a:avLst/>
+          </a:prstGeom>
+          <a:noFill/>
+        </p:spPr>
+        <p:txBody>
+          <a:bodyPr wrap="none" rtlCol="0">
+            <a:spAutoFit/>
+          </a:bodyPr>
+          <a:lstStyle/>
+          <a:p>
+            <a:r>
+              <a:rPr lang="en-US" altLang="zh-CN" dirty="0"/>
+              <a:t>············</a:t>
+            </a:r>
+            <a:endParaRPr lang="zh-CN" altLang="en-US" dirty="0"/>
+          </a:p>
+        </p:txBody>
+      </p:sp>
+      <p:sp>
+        <p:nvSpPr>
+          <p:cNvPr id="78" name="文本框 77">
+            <a:extLst>
+              <a:ext uri="{FF2B5EF4-FFF2-40B4-BE49-F238E27FC236}">
+                <a16:creationId xmlns:a16="http://schemas.microsoft.com/office/drawing/2014/main" id="{9D24A6CB-2B02-4AA7-9215-E77A08515424}"/>
+              </a:ext>
+            </a:extLst>
+          </p:cNvPr>
+          <p:cNvSpPr txBox="1"/>
+          <p:nvPr/>
+        </p:nvSpPr>
+        <p:spPr>
+          <a:xfrm>
+            <a:off x="916818" y="1662113"/>
+            <a:ext cx="800219" cy="369332"/>
+          </a:xfrm>
+          <a:prstGeom prst="rect">
+            <a:avLst/>
+          </a:prstGeom>
+          <a:noFill/>
+        </p:spPr>
+        <p:txBody>
+          <a:bodyPr wrap="none" rtlCol="0">
+            <a:spAutoFit/>
+          </a:bodyPr>
+          <a:lstStyle/>
+          <a:p>
+            <a:r>
+              <a:rPr lang="en-US" altLang="zh-CN" dirty="0"/>
+              <a:t>············</a:t>
+            </a:r>
+            <a:endParaRPr lang="zh-CN" altLang="en-US" dirty="0"/>
+          </a:p>
+        </p:txBody>
+      </p:sp>
+      <p:sp>
+        <p:nvSpPr>
+          <p:cNvPr id="82" name="文本框 81">
+            <a:extLst>
+              <a:ext uri="{FF2B5EF4-FFF2-40B4-BE49-F238E27FC236}">
+                <a16:creationId xmlns:a16="http://schemas.microsoft.com/office/drawing/2014/main" id="{CC9B3E7D-80F0-4572-B6E8-C5EA167F5CE3}"/>
+              </a:ext>
+            </a:extLst>
+          </p:cNvPr>
+          <p:cNvSpPr txBox="1"/>
+          <p:nvPr/>
+        </p:nvSpPr>
+        <p:spPr>
+          <a:xfrm>
+            <a:off x="4682050" y="3193732"/>
+            <a:ext cx="646331" cy="369332"/>
+          </a:xfrm>
+          <a:prstGeom prst="rect">
+            <a:avLst/>
+          </a:prstGeom>
+          <a:noFill/>
+        </p:spPr>
+        <p:txBody>
+          <a:bodyPr wrap="none" rtlCol="0">
+            <a:spAutoFit/>
+          </a:bodyPr>
+          <a:lstStyle/>
+          <a:p>
+            <a:r>
+              <a:rPr lang="zh-CN" altLang="en-US" dirty="0"/>
+              <a:t>查询</a:t>
+            </a:r>
+          </a:p>
+        </p:txBody>
+      </p:sp>
+      <p:grpSp>
+        <p:nvGrpSpPr>
+          <p:cNvPr id="84" name="组合 83">
+            <a:extLst>
+              <a:ext uri="{FF2B5EF4-FFF2-40B4-BE49-F238E27FC236}">
+                <a16:creationId xmlns:a16="http://schemas.microsoft.com/office/drawing/2014/main" id="{A67BE848-DD59-451E-BD5D-D55AF884CCD1}"/>
+              </a:ext>
+            </a:extLst>
+          </p:cNvPr>
+          <p:cNvGrpSpPr/>
+          <p:nvPr/>
+        </p:nvGrpSpPr>
+        <p:grpSpPr>
+          <a:xfrm>
+            <a:off x="5323689" y="1939609"/>
+            <a:ext cx="1544621" cy="2510472"/>
+            <a:chOff x="5323689" y="1939609"/>
+            <a:chExt cx="1544621" cy="2510472"/>
+          </a:xfrm>
+        </p:grpSpPr>
+        <p:sp>
+          <p:nvSpPr>
+            <p:cNvPr id="20" name="矩形 19">
+              <a:extLst>
+                <a:ext uri="{FF2B5EF4-FFF2-40B4-BE49-F238E27FC236}">
+                  <a16:creationId xmlns:a16="http://schemas.microsoft.com/office/drawing/2014/main" id="{77E8338D-9A49-48C7-81E1-F97A9AC343AE}"/>
+                </a:ext>
+              </a:extLst>
+            </p:cNvPr>
+            <p:cNvSpPr/>
+            <p:nvPr/>
+          </p:nvSpPr>
+          <p:spPr>
+            <a:xfrm>
+              <a:off x="5323689" y="1939609"/>
+              <a:ext cx="1544621" cy="2510472"/>
+            </a:xfrm>
+            <a:prstGeom prst="rect">
+              <a:avLst/>
+            </a:prstGeom>
+          </p:spPr>
+          <p:style>
+            <a:lnRef idx="2">
+              <a:schemeClr val="dk1"/>
+            </a:lnRef>
+            <a:fillRef idx="1">
+              <a:schemeClr val="lt1"/>
+            </a:fillRef>
+            <a:effectRef idx="0">
+              <a:schemeClr val="dk1"/>
+            </a:effectRef>
+            <a:fontRef idx="minor">
+              <a:schemeClr val="dk1"/>
+            </a:fontRef>
+          </p:style>
+          <p:txBody>
+            <a:bodyPr rtlCol="0" anchor="t"/>
+            <a:lstStyle/>
+            <a:p>
+              <a:pPr algn="ctr"/>
+              <a:r>
+                <a:rPr lang="zh-CN" altLang="en-US" dirty="0"/>
+                <a:t>节点信息</a:t>
+              </a:r>
+            </a:p>
+          </p:txBody>
+        </p:sp>
+        <p:sp>
+          <p:nvSpPr>
+            <p:cNvPr id="48" name="矩形 47">
+              <a:extLst>
+                <a:ext uri="{FF2B5EF4-FFF2-40B4-BE49-F238E27FC236}">
+                  <a16:creationId xmlns:a16="http://schemas.microsoft.com/office/drawing/2014/main" id="{9CF14B7E-CBE7-4B1F-BDF4-A9464A459068}"/>
+                </a:ext>
+              </a:extLst>
+            </p:cNvPr>
+            <p:cNvSpPr/>
+            <p:nvPr/>
+          </p:nvSpPr>
+          <p:spPr>
+            <a:xfrm>
+              <a:off x="5404969" y="2834640"/>
+              <a:ext cx="1381221" cy="497840"/>
+            </a:xfrm>
+            <a:prstGeom prst="rect">
+              <a:avLst/>
+            </a:prstGeom>
+          </p:spPr>
+          <p:style>
+            <a:lnRef idx="2">
+              <a:schemeClr val="dk1"/>
+            </a:lnRef>
+            <a:fillRef idx="1">
+              <a:schemeClr val="lt1"/>
+            </a:fillRef>
+            <a:effectRef idx="0">
+              <a:schemeClr val="dk1"/>
+            </a:effectRef>
+            <a:fontRef idx="minor">
+              <a:schemeClr val="dk1"/>
+            </a:fontRef>
+          </p:style>
+          <p:txBody>
+            <a:bodyPr rtlCol="0" anchor="ctr"/>
+            <a:lstStyle/>
+            <a:p>
+              <a:pPr algn="ctr"/>
+              <a:r>
+                <a:rPr lang="zh-CN" altLang="en-US" dirty="0"/>
+                <a:t>入度节点表</a:t>
+              </a:r>
+            </a:p>
+          </p:txBody>
+        </p:sp>
+        <p:sp>
+          <p:nvSpPr>
+            <p:cNvPr id="49" name="矩形 48">
+              <a:extLst>
+                <a:ext uri="{FF2B5EF4-FFF2-40B4-BE49-F238E27FC236}">
+                  <a16:creationId xmlns:a16="http://schemas.microsoft.com/office/drawing/2014/main" id="{28E89F8C-709C-4DDC-A6A7-AF2B41466B8A}"/>
+                </a:ext>
+              </a:extLst>
+            </p:cNvPr>
+            <p:cNvSpPr/>
+            <p:nvPr/>
+          </p:nvSpPr>
+          <p:spPr>
+            <a:xfrm>
+              <a:off x="5404969" y="3332480"/>
+              <a:ext cx="1381221" cy="497840"/>
+            </a:xfrm>
+            <a:prstGeom prst="rect">
+              <a:avLst/>
+            </a:prstGeom>
+          </p:spPr>
+          <p:style>
+            <a:lnRef idx="2">
+              <a:schemeClr val="dk1"/>
+            </a:lnRef>
+            <a:fillRef idx="1">
+              <a:schemeClr val="lt1"/>
+            </a:fillRef>
+            <a:effectRef idx="0">
+              <a:schemeClr val="dk1"/>
+            </a:effectRef>
+            <a:fontRef idx="minor">
+              <a:schemeClr val="dk1"/>
+            </a:fontRef>
+          </p:style>
+          <p:txBody>
+            <a:bodyPr rtlCol="0" anchor="ctr"/>
+            <a:lstStyle/>
+            <a:p>
+              <a:pPr algn="ctr"/>
+              <a:r>
+                <a:rPr lang="zh-CN" altLang="en-US" dirty="0"/>
+                <a:t>出度节点表</a:t>
+              </a:r>
+            </a:p>
+          </p:txBody>
+        </p:sp>
+        <p:sp>
+          <p:nvSpPr>
+            <p:cNvPr id="50" name="矩形 49">
+              <a:extLst>
+                <a:ext uri="{FF2B5EF4-FFF2-40B4-BE49-F238E27FC236}">
+                  <a16:creationId xmlns:a16="http://schemas.microsoft.com/office/drawing/2014/main" id="{47E21869-7F96-4131-B97F-1CA6B1D3BFA9}"/>
+                </a:ext>
+              </a:extLst>
+            </p:cNvPr>
+            <p:cNvSpPr/>
+            <p:nvPr/>
+          </p:nvSpPr>
+          <p:spPr>
+            <a:xfrm>
+              <a:off x="5404969" y="3830320"/>
+              <a:ext cx="1381221" cy="497840"/>
+            </a:xfrm>
+            <a:prstGeom prst="rect">
+              <a:avLst/>
+            </a:prstGeom>
+          </p:spPr>
+          <p:style>
+            <a:lnRef idx="2">
+              <a:schemeClr val="dk1"/>
+            </a:lnRef>
+            <a:fillRef idx="1">
+              <a:schemeClr val="lt1"/>
+            </a:fillRef>
+            <a:effectRef idx="0">
+              <a:schemeClr val="dk1"/>
+            </a:effectRef>
+            <a:fontRef idx="minor">
+              <a:schemeClr val="dk1"/>
+            </a:fontRef>
+          </p:style>
+          <p:txBody>
+            <a:bodyPr rtlCol="0" anchor="ctr"/>
+            <a:lstStyle/>
+            <a:p>
+              <a:pPr algn="ctr"/>
+              <a:r>
+                <a:rPr lang="zh-CN" altLang="en-US" dirty="0"/>
+                <a:t>客户端表</a:t>
+              </a:r>
+            </a:p>
+          </p:txBody>
+        </p:sp>
+        <p:sp>
+          <p:nvSpPr>
+            <p:cNvPr id="83" name="矩形 82">
+              <a:extLst>
+                <a:ext uri="{FF2B5EF4-FFF2-40B4-BE49-F238E27FC236}">
+                  <a16:creationId xmlns:a16="http://schemas.microsoft.com/office/drawing/2014/main" id="{22617A36-3942-4EBD-BDF4-BEBDCF037B28}"/>
+                </a:ext>
+              </a:extLst>
+            </p:cNvPr>
+            <p:cNvSpPr/>
+            <p:nvPr/>
+          </p:nvSpPr>
+          <p:spPr>
+            <a:xfrm>
+              <a:off x="5404968" y="2336800"/>
+              <a:ext cx="1381221" cy="497840"/>
+            </a:xfrm>
+            <a:prstGeom prst="rect">
+              <a:avLst/>
+            </a:prstGeom>
+          </p:spPr>
+          <p:style>
+            <a:lnRef idx="2">
+              <a:schemeClr val="dk1"/>
+            </a:lnRef>
+            <a:fillRef idx="1">
+              <a:schemeClr val="lt1"/>
+            </a:fillRef>
+            <a:effectRef idx="0">
+              <a:schemeClr val="dk1"/>
+            </a:effectRef>
+            <a:fontRef idx="minor">
+              <a:schemeClr val="dk1"/>
+            </a:fontRef>
+          </p:style>
+          <p:txBody>
+            <a:bodyPr rtlCol="0" anchor="ctr"/>
+            <a:lstStyle/>
+            <a:p>
+              <a:pPr algn="ctr"/>
+              <a:r>
+                <a:rPr lang="zh-CN" altLang="en-US" dirty="0"/>
+                <a:t>服务器信息</a:t>
+              </a:r>
+            </a:p>
+          </p:txBody>
+        </p:sp>
+      </p:grpSp>
+    </p:spTree>
+    <p:extLst>
+      <p:ext uri="{BB962C8B-B14F-4D97-AF65-F5344CB8AC3E}">
+        <p14:creationId xmlns:p14="http://schemas.microsoft.com/office/powerpoint/2010/main" val="1075828199"/>
+      </p:ext>
+    </p:extLst>
+  </p:cSld>
+  <p:clrMapOvr>
+    <a:masterClrMapping/>
+  </p:clrMapOvr>
+</p:sld>
+</file>
+
+<file path=ppt/slides/slide16.xml><?xml version="1.0" encoding="utf-8"?>
+<p:sld xmlns:a="http://schemas.openxmlformats.org/drawingml/2006/main" xmlns:r="http://schemas.openxmlformats.org/officeDocument/2006/relationships" xmlns:p="http://schemas.openxmlformats.org/presentationml/2006/main">
+  <p:cSld>
+    <p:spTree>
+      <p:nvGrpSpPr>
+        <p:cNvPr id="1" name=""/>
+        <p:cNvGrpSpPr/>
+        <p:nvPr/>
+      </p:nvGrpSpPr>
+      <p:grpSpPr>
+        <a:xfrm>
+          <a:off x="0" y="0"/>
+          <a:ext cx="0" cy="0"/>
+          <a:chOff x="0" y="0"/>
+          <a:chExt cx="0" cy="0"/>
+        </a:xfrm>
+      </p:grpSpPr>
+      <p:grpSp>
+        <p:nvGrpSpPr>
+          <p:cNvPr id="116" name="组合 115">
+            <a:extLst>
+              <a:ext uri="{FF2B5EF4-FFF2-40B4-BE49-F238E27FC236}">
+                <a16:creationId xmlns:a16="http://schemas.microsoft.com/office/drawing/2014/main" id="{F7D947BB-F28D-4158-9BA0-3409B91A27F1}"/>
+              </a:ext>
+            </a:extLst>
+          </p:cNvPr>
+          <p:cNvGrpSpPr/>
+          <p:nvPr/>
+        </p:nvGrpSpPr>
+        <p:grpSpPr>
+          <a:xfrm>
+            <a:off x="2794000" y="2173764"/>
+            <a:ext cx="1544621" cy="2510472"/>
+            <a:chOff x="5323689" y="1939609"/>
+            <a:chExt cx="1544621" cy="2510472"/>
+          </a:xfrm>
+        </p:grpSpPr>
+        <p:sp>
+          <p:nvSpPr>
+            <p:cNvPr id="117" name="矩形 116">
+              <a:extLst>
+                <a:ext uri="{FF2B5EF4-FFF2-40B4-BE49-F238E27FC236}">
+                  <a16:creationId xmlns:a16="http://schemas.microsoft.com/office/drawing/2014/main" id="{6219E4D9-3DFD-4D4D-A4D0-98EE8AE03C2A}"/>
+                </a:ext>
+              </a:extLst>
+            </p:cNvPr>
+            <p:cNvSpPr/>
+            <p:nvPr/>
+          </p:nvSpPr>
+          <p:spPr>
+            <a:xfrm>
+              <a:off x="5323689" y="1939609"/>
+              <a:ext cx="1544621" cy="2510472"/>
+            </a:xfrm>
+            <a:prstGeom prst="rect">
+              <a:avLst/>
+            </a:prstGeom>
+          </p:spPr>
+          <p:style>
+            <a:lnRef idx="2">
+              <a:schemeClr val="dk1"/>
+            </a:lnRef>
+            <a:fillRef idx="1">
+              <a:schemeClr val="lt1"/>
+            </a:fillRef>
+            <a:effectRef idx="0">
+              <a:schemeClr val="dk1"/>
+            </a:effectRef>
+            <a:fontRef idx="minor">
+              <a:schemeClr val="dk1"/>
+            </a:fontRef>
+          </p:style>
+          <p:txBody>
+            <a:bodyPr rtlCol="0" anchor="t"/>
+            <a:lstStyle/>
+            <a:p>
+              <a:pPr algn="ctr"/>
+              <a:r>
+                <a:rPr lang="zh-CN" altLang="en-US" dirty="0"/>
+                <a:t>节点信息</a:t>
+              </a:r>
+            </a:p>
+          </p:txBody>
+        </p:sp>
+        <p:sp>
+          <p:nvSpPr>
+            <p:cNvPr id="118" name="矩形 117">
+              <a:extLst>
+                <a:ext uri="{FF2B5EF4-FFF2-40B4-BE49-F238E27FC236}">
+                  <a16:creationId xmlns:a16="http://schemas.microsoft.com/office/drawing/2014/main" id="{CA6C04BA-432E-4BAE-B1D4-61DA9B0F4D5D}"/>
+                </a:ext>
+              </a:extLst>
+            </p:cNvPr>
+            <p:cNvSpPr/>
+            <p:nvPr/>
+          </p:nvSpPr>
+          <p:spPr>
+            <a:xfrm>
+              <a:off x="5404969" y="2834640"/>
+              <a:ext cx="1381221" cy="497840"/>
+            </a:xfrm>
+            <a:prstGeom prst="rect">
+              <a:avLst/>
+            </a:prstGeom>
+          </p:spPr>
+          <p:style>
+            <a:lnRef idx="2">
+              <a:schemeClr val="dk1"/>
+            </a:lnRef>
+            <a:fillRef idx="1">
+              <a:schemeClr val="lt1"/>
+            </a:fillRef>
+            <a:effectRef idx="0">
+              <a:schemeClr val="dk1"/>
+            </a:effectRef>
+            <a:fontRef idx="minor">
+              <a:schemeClr val="dk1"/>
+            </a:fontRef>
+          </p:style>
+          <p:txBody>
+            <a:bodyPr rtlCol="0" anchor="ctr"/>
+            <a:lstStyle/>
+            <a:p>
+              <a:pPr algn="ctr"/>
+              <a:r>
+                <a:rPr lang="zh-CN" altLang="en-US" dirty="0"/>
+                <a:t>入度节点表</a:t>
+              </a:r>
+            </a:p>
+          </p:txBody>
+        </p:sp>
+        <p:sp>
+          <p:nvSpPr>
+            <p:cNvPr id="119" name="矩形 118">
+              <a:extLst>
+                <a:ext uri="{FF2B5EF4-FFF2-40B4-BE49-F238E27FC236}">
+                  <a16:creationId xmlns:a16="http://schemas.microsoft.com/office/drawing/2014/main" id="{E2BBFF06-509E-4873-9801-B508D44799FF}"/>
+                </a:ext>
+              </a:extLst>
+            </p:cNvPr>
+            <p:cNvSpPr/>
+            <p:nvPr/>
+          </p:nvSpPr>
+          <p:spPr>
+            <a:xfrm>
+              <a:off x="5404969" y="3332480"/>
+              <a:ext cx="1381221" cy="497840"/>
+            </a:xfrm>
+            <a:prstGeom prst="rect">
+              <a:avLst/>
+            </a:prstGeom>
+          </p:spPr>
+          <p:style>
+            <a:lnRef idx="2">
+              <a:schemeClr val="dk1"/>
+            </a:lnRef>
+            <a:fillRef idx="1">
+              <a:schemeClr val="lt1"/>
+            </a:fillRef>
+            <a:effectRef idx="0">
+              <a:schemeClr val="dk1"/>
+            </a:effectRef>
+            <a:fontRef idx="minor">
+              <a:schemeClr val="dk1"/>
+            </a:fontRef>
+          </p:style>
+          <p:txBody>
+            <a:bodyPr rtlCol="0" anchor="ctr"/>
+            <a:lstStyle/>
+            <a:p>
+              <a:pPr algn="ctr"/>
+              <a:r>
+                <a:rPr lang="zh-CN" altLang="en-US" dirty="0"/>
+                <a:t>出度节点表</a:t>
+              </a:r>
+            </a:p>
+          </p:txBody>
+        </p:sp>
+        <p:sp>
+          <p:nvSpPr>
+            <p:cNvPr id="120" name="矩形 119">
+              <a:extLst>
+                <a:ext uri="{FF2B5EF4-FFF2-40B4-BE49-F238E27FC236}">
+                  <a16:creationId xmlns:a16="http://schemas.microsoft.com/office/drawing/2014/main" id="{2D641514-D4DA-4F72-8386-EC8D5FBE56EE}"/>
+                </a:ext>
+              </a:extLst>
+            </p:cNvPr>
+            <p:cNvSpPr/>
+            <p:nvPr/>
+          </p:nvSpPr>
+          <p:spPr>
+            <a:xfrm>
+              <a:off x="5404969" y="3830320"/>
+              <a:ext cx="1381221" cy="497840"/>
+            </a:xfrm>
+            <a:prstGeom prst="rect">
+              <a:avLst/>
+            </a:prstGeom>
+          </p:spPr>
+          <p:style>
+            <a:lnRef idx="2">
+              <a:schemeClr val="dk1"/>
+            </a:lnRef>
+            <a:fillRef idx="1">
+              <a:schemeClr val="lt1"/>
+            </a:fillRef>
+            <a:effectRef idx="0">
+              <a:schemeClr val="dk1"/>
+            </a:effectRef>
+            <a:fontRef idx="minor">
+              <a:schemeClr val="dk1"/>
+            </a:fontRef>
+          </p:style>
+          <p:txBody>
+            <a:bodyPr rtlCol="0" anchor="ctr"/>
+            <a:lstStyle/>
+            <a:p>
+              <a:pPr algn="ctr"/>
+              <a:r>
+                <a:rPr lang="zh-CN" altLang="en-US" dirty="0"/>
+                <a:t>客户端表</a:t>
+              </a:r>
+            </a:p>
+          </p:txBody>
+        </p:sp>
+        <p:sp>
+          <p:nvSpPr>
+            <p:cNvPr id="121" name="矩形 120">
+              <a:extLst>
+                <a:ext uri="{FF2B5EF4-FFF2-40B4-BE49-F238E27FC236}">
+                  <a16:creationId xmlns:a16="http://schemas.microsoft.com/office/drawing/2014/main" id="{D6D13E3B-6F48-44DB-886C-058BA89F6E84}"/>
+                </a:ext>
+              </a:extLst>
+            </p:cNvPr>
+            <p:cNvSpPr/>
+            <p:nvPr/>
+          </p:nvSpPr>
+          <p:spPr>
+            <a:xfrm>
+              <a:off x="5404968" y="2336800"/>
+              <a:ext cx="1381221" cy="497840"/>
+            </a:xfrm>
+            <a:prstGeom prst="rect">
+              <a:avLst/>
+            </a:prstGeom>
+          </p:spPr>
+          <p:style>
+            <a:lnRef idx="2">
+              <a:schemeClr val="dk1"/>
+            </a:lnRef>
+            <a:fillRef idx="1">
+              <a:schemeClr val="lt1"/>
+            </a:fillRef>
+            <a:effectRef idx="0">
+              <a:schemeClr val="dk1"/>
+            </a:effectRef>
+            <a:fontRef idx="minor">
+              <a:schemeClr val="dk1"/>
+            </a:fontRef>
+          </p:style>
+          <p:txBody>
+            <a:bodyPr rtlCol="0" anchor="ctr"/>
+            <a:lstStyle/>
+            <a:p>
+              <a:pPr algn="ctr"/>
+              <a:r>
+                <a:rPr lang="zh-CN" altLang="en-US" dirty="0"/>
+                <a:t>服务器信息</a:t>
+              </a:r>
+            </a:p>
+          </p:txBody>
+        </p:sp>
+      </p:grpSp>
+      <p:sp>
+        <p:nvSpPr>
+          <p:cNvPr id="2" name="标题 1">
+            <a:extLst>
+              <a:ext uri="{FF2B5EF4-FFF2-40B4-BE49-F238E27FC236}">
+                <a16:creationId xmlns:a16="http://schemas.microsoft.com/office/drawing/2014/main" id="{FFEA2018-C561-49B5-B178-87DD7849C595}"/>
+              </a:ext>
+            </a:extLst>
+          </p:cNvPr>
+          <p:cNvSpPr>
+            <a:spLocks noGrp="1"/>
+          </p:cNvSpPr>
+          <p:nvPr>
+            <p:ph type="title"/>
+          </p:nvPr>
+        </p:nvSpPr>
+        <p:spPr/>
+        <p:txBody>
+          <a:bodyPr/>
+          <a:lstStyle/>
+          <a:p>
+            <a:r>
+              <a:rPr lang="zh-CN" altLang="en-US" dirty="0"/>
+              <a:t>图数据整合</a:t>
+            </a:r>
+          </a:p>
+        </p:txBody>
+      </p:sp>
+      <p:grpSp>
+        <p:nvGrpSpPr>
+          <p:cNvPr id="12" name="组合 11">
+            <a:extLst>
+              <a:ext uri="{FF2B5EF4-FFF2-40B4-BE49-F238E27FC236}">
+                <a16:creationId xmlns:a16="http://schemas.microsoft.com/office/drawing/2014/main" id="{92709CBB-53D3-4659-9338-D210F5109198}"/>
+              </a:ext>
+            </a:extLst>
+          </p:cNvPr>
+          <p:cNvGrpSpPr/>
+          <p:nvPr/>
+        </p:nvGrpSpPr>
+        <p:grpSpPr>
+          <a:xfrm>
+            <a:off x="4683760" y="365125"/>
+            <a:ext cx="7208520" cy="6127750"/>
+            <a:chOff x="4145280" y="365125"/>
+            <a:chExt cx="7208520" cy="6127750"/>
+          </a:xfrm>
+        </p:grpSpPr>
+        <p:sp>
+          <p:nvSpPr>
+            <p:cNvPr id="3" name="矩形: 圆角 2">
+              <a:extLst>
+                <a:ext uri="{FF2B5EF4-FFF2-40B4-BE49-F238E27FC236}">
+                  <a16:creationId xmlns:a16="http://schemas.microsoft.com/office/drawing/2014/main" id="{DE6B7D25-A877-4BC4-A70F-EA42D9752728}"/>
+                </a:ext>
+              </a:extLst>
+            </p:cNvPr>
+            <p:cNvSpPr/>
+            <p:nvPr/>
+          </p:nvSpPr>
+          <p:spPr>
+            <a:xfrm>
+              <a:off x="4145280" y="365125"/>
+              <a:ext cx="7208520" cy="6127750"/>
+            </a:xfrm>
+            <a:prstGeom prst="roundRect">
+              <a:avLst/>
+            </a:prstGeom>
+          </p:spPr>
+          <p:style>
+            <a:lnRef idx="2">
+              <a:schemeClr val="dk1"/>
+            </a:lnRef>
+            <a:fillRef idx="1">
+              <a:schemeClr val="lt1"/>
+            </a:fillRef>
+            <a:effectRef idx="0">
+              <a:schemeClr val="dk1"/>
+            </a:effectRef>
+            <a:fontRef idx="minor">
+              <a:schemeClr val="dk1"/>
+            </a:fontRef>
+          </p:style>
+          <p:txBody>
+            <a:bodyPr rtlCol="0" anchor="t"/>
+            <a:lstStyle/>
+            <a:p>
+              <a:pPr algn="ctr"/>
+              <a:r>
+                <a:rPr lang="zh-CN" altLang="en-US" dirty="0"/>
+                <a:t>图数据</a:t>
+              </a:r>
+            </a:p>
+          </p:txBody>
+        </p:sp>
+        <p:grpSp>
+          <p:nvGrpSpPr>
+            <p:cNvPr id="9" name="组合 8">
+              <a:extLst>
+                <a:ext uri="{FF2B5EF4-FFF2-40B4-BE49-F238E27FC236}">
+                  <a16:creationId xmlns:a16="http://schemas.microsoft.com/office/drawing/2014/main" id="{DDDB3DF6-86EA-4C4A-A4FD-2B59A0C26A2A}"/>
+                </a:ext>
+              </a:extLst>
+            </p:cNvPr>
+            <p:cNvGrpSpPr/>
+            <p:nvPr/>
+          </p:nvGrpSpPr>
+          <p:grpSpPr>
+            <a:xfrm>
+              <a:off x="4450079" y="1071562"/>
+              <a:ext cx="6581260" cy="3164524"/>
+              <a:chOff x="3992879" y="2403156"/>
+              <a:chExt cx="6581260" cy="3164524"/>
+            </a:xfrm>
+          </p:grpSpPr>
+          <p:sp>
+            <p:nvSpPr>
+              <p:cNvPr id="5" name="矩形 4">
+                <a:extLst>
+                  <a:ext uri="{FF2B5EF4-FFF2-40B4-BE49-F238E27FC236}">
+                    <a16:creationId xmlns:a16="http://schemas.microsoft.com/office/drawing/2014/main" id="{C9400154-301C-42A4-B812-C0F3FB5EC1B0}"/>
+                  </a:ext>
+                </a:extLst>
+              </p:cNvPr>
+              <p:cNvSpPr/>
+              <p:nvPr/>
+            </p:nvSpPr>
+            <p:spPr>
+              <a:xfrm>
+                <a:off x="3992879" y="2403156"/>
+                <a:ext cx="6581259" cy="3164524"/>
+              </a:xfrm>
+              <a:prstGeom prst="rect">
+                <a:avLst/>
+              </a:prstGeom>
+            </p:spPr>
+            <p:style>
+              <a:lnRef idx="2">
+                <a:schemeClr val="dk1"/>
+              </a:lnRef>
+              <a:fillRef idx="1">
+                <a:schemeClr val="lt1"/>
+              </a:fillRef>
+              <a:effectRef idx="0">
+                <a:schemeClr val="dk1"/>
+              </a:effectRef>
+              <a:fontRef idx="minor">
+                <a:schemeClr val="dk1"/>
+              </a:fontRef>
+            </p:style>
+            <p:txBody>
+              <a:bodyPr rtlCol="0" anchor="t"/>
+              <a:lstStyle/>
+              <a:p>
+                <a:pPr algn="ctr"/>
+                <a:r>
+                  <a:rPr lang="zh-CN" altLang="en-US" dirty="0"/>
+                  <a:t>点（服务器）列表</a:t>
+                </a:r>
+              </a:p>
+            </p:txBody>
+          </p:sp>
+          <p:grpSp>
+            <p:nvGrpSpPr>
+              <p:cNvPr id="8" name="组合 7">
+                <a:extLst>
+                  <a:ext uri="{FF2B5EF4-FFF2-40B4-BE49-F238E27FC236}">
+                    <a16:creationId xmlns:a16="http://schemas.microsoft.com/office/drawing/2014/main" id="{A5EA7576-1DAC-4827-B689-E77BFD550209}"/>
+                  </a:ext>
+                </a:extLst>
+              </p:cNvPr>
+              <p:cNvGrpSpPr/>
+              <p:nvPr/>
+            </p:nvGrpSpPr>
+            <p:grpSpPr>
+              <a:xfrm>
+                <a:off x="4104640" y="2825706"/>
+                <a:ext cx="1889760" cy="2631521"/>
+                <a:chOff x="4206240" y="3535599"/>
+                <a:chExt cx="1889760" cy="2631521"/>
+              </a:xfrm>
+            </p:grpSpPr>
+            <p:sp>
+              <p:nvSpPr>
+                <p:cNvPr id="53" name="矩形 52">
+                  <a:extLst>
+                    <a:ext uri="{FF2B5EF4-FFF2-40B4-BE49-F238E27FC236}">
+                      <a16:creationId xmlns:a16="http://schemas.microsoft.com/office/drawing/2014/main" id="{14912E78-76F3-494D-8861-879AEC30F01C}"/>
+                    </a:ext>
+                  </a:extLst>
+                </p:cNvPr>
+                <p:cNvSpPr/>
+                <p:nvPr/>
+              </p:nvSpPr>
+              <p:spPr>
+                <a:xfrm>
+                  <a:off x="4206240" y="3535599"/>
+                  <a:ext cx="1889760" cy="522924"/>
+                </a:xfrm>
+                <a:prstGeom prst="rect">
+                  <a:avLst/>
+                </a:prstGeom>
+              </p:spPr>
+              <p:style>
+                <a:lnRef idx="2">
+                  <a:schemeClr val="dk1"/>
+                </a:lnRef>
+                <a:fillRef idx="1">
+                  <a:schemeClr val="lt1"/>
+                </a:fillRef>
+                <a:effectRef idx="0">
+                  <a:schemeClr val="dk1"/>
+                </a:effectRef>
+                <a:fontRef idx="minor">
+                  <a:schemeClr val="dk1"/>
+                </a:fontRef>
+              </p:style>
+              <p:txBody>
+                <a:bodyPr rtlCol="0" anchor="ctr"/>
+                <a:lstStyle/>
+                <a:p>
+                  <a:pPr algn="ctr"/>
+                  <a:r>
+                    <a:rPr lang="zh-CN" altLang="en-US" dirty="0"/>
+                    <a:t>服务器</a:t>
+                  </a:r>
+                  <a:r>
+                    <a:rPr lang="en-US" altLang="zh-CN" dirty="0"/>
+                    <a:t>ID</a:t>
+                  </a:r>
+                  <a:endParaRPr lang="zh-CN" altLang="en-US" dirty="0"/>
+                </a:p>
+              </p:txBody>
+            </p:sp>
+            <p:grpSp>
+              <p:nvGrpSpPr>
+                <p:cNvPr id="7" name="组合 6">
+                  <a:extLst>
+                    <a:ext uri="{FF2B5EF4-FFF2-40B4-BE49-F238E27FC236}">
+                      <a16:creationId xmlns:a16="http://schemas.microsoft.com/office/drawing/2014/main" id="{BA4295AA-A9C0-484E-A639-DD824DE6CA4F}"/>
+                    </a:ext>
+                  </a:extLst>
+                </p:cNvPr>
+                <p:cNvGrpSpPr/>
+                <p:nvPr/>
+              </p:nvGrpSpPr>
+              <p:grpSpPr>
+                <a:xfrm>
+                  <a:off x="4206240" y="4058523"/>
+                  <a:ext cx="1889760" cy="2108597"/>
+                  <a:chOff x="4206240" y="4058523"/>
+                  <a:chExt cx="1889760" cy="2108597"/>
+                </a:xfrm>
+              </p:grpSpPr>
+              <p:sp>
+                <p:nvSpPr>
+                  <p:cNvPr id="54" name="矩形 53">
+                    <a:extLst>
+                      <a:ext uri="{FF2B5EF4-FFF2-40B4-BE49-F238E27FC236}">
+                        <a16:creationId xmlns:a16="http://schemas.microsoft.com/office/drawing/2014/main" id="{C11ED841-172F-4CA8-B862-36627BBD573E}"/>
+                      </a:ext>
+                    </a:extLst>
+                  </p:cNvPr>
+                  <p:cNvSpPr/>
+                  <p:nvPr/>
+                </p:nvSpPr>
+                <p:spPr>
+                  <a:xfrm>
+                    <a:off x="4206240" y="4058523"/>
+                    <a:ext cx="1889760" cy="2108597"/>
+                  </a:xfrm>
+                  <a:prstGeom prst="rect">
+                    <a:avLst/>
+                  </a:prstGeom>
+                </p:spPr>
+                <p:style>
+                  <a:lnRef idx="2">
+                    <a:schemeClr val="dk1"/>
+                  </a:lnRef>
+                  <a:fillRef idx="1">
+                    <a:schemeClr val="lt1"/>
+                  </a:fillRef>
+                  <a:effectRef idx="0">
+                    <a:schemeClr val="dk1"/>
+                  </a:effectRef>
+                  <a:fontRef idx="minor">
+                    <a:schemeClr val="dk1"/>
+                  </a:fontRef>
+                </p:style>
+                <p:txBody>
+                  <a:bodyPr rtlCol="0" anchor="t"/>
+                  <a:lstStyle/>
+                  <a:p>
+                    <a:pPr algn="ctr"/>
+                    <a:r>
+                      <a:rPr lang="zh-CN" altLang="en-US" dirty="0"/>
+                      <a:t>点信息</a:t>
+                    </a:r>
+                  </a:p>
+                </p:txBody>
+              </p:sp>
+              <p:grpSp>
+                <p:nvGrpSpPr>
+                  <p:cNvPr id="6" name="组合 5">
+                    <a:extLst>
+                      <a:ext uri="{FF2B5EF4-FFF2-40B4-BE49-F238E27FC236}">
+                        <a16:creationId xmlns:a16="http://schemas.microsoft.com/office/drawing/2014/main" id="{62B56731-0D5C-4C2D-A92E-C52F02722B0B}"/>
+                      </a:ext>
+                    </a:extLst>
+                  </p:cNvPr>
+                  <p:cNvGrpSpPr/>
+                  <p:nvPr/>
+                </p:nvGrpSpPr>
+                <p:grpSpPr>
+                  <a:xfrm>
+                    <a:off x="4341120" y="4430438"/>
+                    <a:ext cx="1620000" cy="1620000"/>
+                    <a:chOff x="4206240" y="4355927"/>
+                    <a:chExt cx="1620000" cy="1620000"/>
+                  </a:xfrm>
+                </p:grpSpPr>
+                <p:sp>
+                  <p:nvSpPr>
+                    <p:cNvPr id="56" name="矩形 55">
+                      <a:extLst>
+                        <a:ext uri="{FF2B5EF4-FFF2-40B4-BE49-F238E27FC236}">
+                          <a16:creationId xmlns:a16="http://schemas.microsoft.com/office/drawing/2014/main" id="{924CAA13-FB77-4161-96B4-6BF59FE7753D}"/>
+                        </a:ext>
+                      </a:extLst>
+                    </p:cNvPr>
+                    <p:cNvSpPr/>
+                    <p:nvPr/>
+                  </p:nvSpPr>
+                  <p:spPr>
+                    <a:xfrm>
+                      <a:off x="4206240" y="4355927"/>
+                      <a:ext cx="1620000" cy="540000"/>
+                    </a:xfrm>
+                    <a:prstGeom prst="rect">
+                      <a:avLst/>
+                    </a:prstGeom>
+                  </p:spPr>
+                  <p:style>
+                    <a:lnRef idx="2">
+                      <a:schemeClr val="dk1"/>
+                    </a:lnRef>
+                    <a:fillRef idx="1">
+                      <a:schemeClr val="lt1"/>
+                    </a:fillRef>
+                    <a:effectRef idx="0">
+                      <a:schemeClr val="dk1"/>
+                    </a:effectRef>
+                    <a:fontRef idx="minor">
+                      <a:schemeClr val="dk1"/>
+                    </a:fontRef>
+                  </p:style>
+                  <p:txBody>
+                    <a:bodyPr rtlCol="0" anchor="ctr"/>
+                    <a:lstStyle/>
+                    <a:p>
+                      <a:pPr algn="ctr"/>
+                      <a:r>
+                        <a:rPr lang="zh-CN" altLang="en-US" dirty="0"/>
+                        <a:t>服务器信息</a:t>
+                      </a:r>
+                    </a:p>
+                  </p:txBody>
+                </p:sp>
+                <p:sp>
+                  <p:nvSpPr>
+                    <p:cNvPr id="57" name="矩形 56">
+                      <a:extLst>
+                        <a:ext uri="{FF2B5EF4-FFF2-40B4-BE49-F238E27FC236}">
+                          <a16:creationId xmlns:a16="http://schemas.microsoft.com/office/drawing/2014/main" id="{7A908565-E693-4C00-B390-59447965B53C}"/>
+                        </a:ext>
+                      </a:extLst>
+                    </p:cNvPr>
+                    <p:cNvSpPr/>
+                    <p:nvPr/>
+                  </p:nvSpPr>
+                  <p:spPr>
+                    <a:xfrm>
+                      <a:off x="4206240" y="4895927"/>
+                      <a:ext cx="1620000" cy="540000"/>
+                    </a:xfrm>
+                    <a:prstGeom prst="rect">
+                      <a:avLst/>
+                    </a:prstGeom>
+                  </p:spPr>
+                  <p:style>
+                    <a:lnRef idx="2">
+                      <a:schemeClr val="dk1"/>
+                    </a:lnRef>
+                    <a:fillRef idx="1">
+                      <a:schemeClr val="lt1"/>
+                    </a:fillRef>
+                    <a:effectRef idx="0">
+                      <a:schemeClr val="dk1"/>
+                    </a:effectRef>
+                    <a:fontRef idx="minor">
+                      <a:schemeClr val="dk1"/>
+                    </a:fontRef>
+                  </p:style>
+                  <p:txBody>
+                    <a:bodyPr rtlCol="0" anchor="ctr"/>
+                    <a:lstStyle/>
+                    <a:p>
+                      <a:pPr algn="ctr"/>
+                      <a:r>
+                        <a:rPr lang="zh-CN" altLang="en-US" dirty="0"/>
+                        <a:t>出度节点</a:t>
+                      </a:r>
+                      <a:endParaRPr lang="en-US" altLang="zh-CN" dirty="0"/>
+                    </a:p>
+                    <a:p>
+                      <a:pPr algn="ctr"/>
+                      <a:r>
+                        <a:rPr lang="zh-CN" altLang="en-US" dirty="0"/>
+                        <a:t>服务器</a:t>
+                      </a:r>
+                      <a:r>
+                        <a:rPr lang="en-US" altLang="zh-CN" dirty="0"/>
+                        <a:t>ID</a:t>
+                      </a:r>
+                      <a:r>
+                        <a:rPr lang="zh-CN" altLang="en-US" dirty="0"/>
+                        <a:t>集合</a:t>
+                      </a:r>
+                    </a:p>
+                  </p:txBody>
+                </p:sp>
+                <p:sp>
+                  <p:nvSpPr>
+                    <p:cNvPr id="60" name="矩形 59">
+                      <a:extLst>
+                        <a:ext uri="{FF2B5EF4-FFF2-40B4-BE49-F238E27FC236}">
+                          <a16:creationId xmlns:a16="http://schemas.microsoft.com/office/drawing/2014/main" id="{6D58DA99-5A6A-4CBD-8AA0-B8786B496A11}"/>
+                        </a:ext>
+                      </a:extLst>
+                    </p:cNvPr>
+                    <p:cNvSpPr/>
+                    <p:nvPr/>
+                  </p:nvSpPr>
+                  <p:spPr>
+                    <a:xfrm>
+                      <a:off x="4206240" y="5435927"/>
+                      <a:ext cx="1620000" cy="540000"/>
+                    </a:xfrm>
+                    <a:prstGeom prst="rect">
+                      <a:avLst/>
+                    </a:prstGeom>
+                  </p:spPr>
+                  <p:style>
+                    <a:lnRef idx="2">
+                      <a:schemeClr val="dk1"/>
+                    </a:lnRef>
+                    <a:fillRef idx="1">
+                      <a:schemeClr val="lt1"/>
+                    </a:fillRef>
+                    <a:effectRef idx="0">
+                      <a:schemeClr val="dk1"/>
+                    </a:effectRef>
+                    <a:fontRef idx="minor">
+                      <a:schemeClr val="dk1"/>
+                    </a:fontRef>
+                  </p:style>
+                  <p:txBody>
+                    <a:bodyPr rtlCol="0" anchor="ctr"/>
+                    <a:lstStyle/>
+                    <a:p>
+                      <a:pPr algn="ctr"/>
+                      <a:r>
+                        <a:rPr lang="zh-CN" altLang="en-US" dirty="0"/>
+                        <a:t>客户端</a:t>
+                      </a:r>
+                      <a:r>
+                        <a:rPr lang="en-US" altLang="zh-CN" dirty="0"/>
+                        <a:t>ID</a:t>
+                      </a:r>
+                      <a:r>
+                        <a:rPr lang="zh-CN" altLang="en-US" dirty="0"/>
+                        <a:t>集合</a:t>
+                      </a:r>
+                    </a:p>
+                  </p:txBody>
+                </p:sp>
+              </p:grpSp>
+            </p:grpSp>
+          </p:grpSp>
+          <p:grpSp>
+            <p:nvGrpSpPr>
+              <p:cNvPr id="65" name="组合 64">
+                <a:extLst>
+                  <a:ext uri="{FF2B5EF4-FFF2-40B4-BE49-F238E27FC236}">
+                    <a16:creationId xmlns:a16="http://schemas.microsoft.com/office/drawing/2014/main" id="{DDA29B70-14C1-49B2-9EB5-ADC6855E6DD6}"/>
+                  </a:ext>
+                </a:extLst>
+              </p:cNvPr>
+              <p:cNvGrpSpPr/>
+              <p:nvPr/>
+            </p:nvGrpSpPr>
+            <p:grpSpPr>
+              <a:xfrm>
+                <a:off x="5994400" y="2825706"/>
+                <a:ext cx="1889760" cy="2631521"/>
+                <a:chOff x="4206240" y="3535599"/>
+                <a:chExt cx="1889760" cy="2631521"/>
+              </a:xfrm>
+            </p:grpSpPr>
+            <p:sp>
+              <p:nvSpPr>
+                <p:cNvPr id="68" name="矩形 67">
+                  <a:extLst>
+                    <a:ext uri="{FF2B5EF4-FFF2-40B4-BE49-F238E27FC236}">
+                      <a16:creationId xmlns:a16="http://schemas.microsoft.com/office/drawing/2014/main" id="{98966F11-D90A-41C1-84E9-3A58609CFD18}"/>
+                    </a:ext>
+                  </a:extLst>
+                </p:cNvPr>
+                <p:cNvSpPr/>
+                <p:nvPr/>
+              </p:nvSpPr>
+              <p:spPr>
+                <a:xfrm>
+                  <a:off x="4206240" y="3535599"/>
+                  <a:ext cx="1889760" cy="522924"/>
+                </a:xfrm>
+                <a:prstGeom prst="rect">
+                  <a:avLst/>
+                </a:prstGeom>
+              </p:spPr>
+              <p:style>
+                <a:lnRef idx="2">
+                  <a:schemeClr val="dk1"/>
+                </a:lnRef>
+                <a:fillRef idx="1">
+                  <a:schemeClr val="lt1"/>
+                </a:fillRef>
+                <a:effectRef idx="0">
+                  <a:schemeClr val="dk1"/>
+                </a:effectRef>
+                <a:fontRef idx="minor">
+                  <a:schemeClr val="dk1"/>
+                </a:fontRef>
+              </p:style>
+              <p:txBody>
+                <a:bodyPr rtlCol="0" anchor="ctr"/>
+                <a:lstStyle/>
+                <a:p>
+                  <a:pPr algn="ctr"/>
+                  <a:r>
+                    <a:rPr lang="zh-CN" altLang="en-US" dirty="0"/>
+                    <a:t>服务器</a:t>
+                  </a:r>
+                  <a:r>
+                    <a:rPr lang="en-US" altLang="zh-CN" dirty="0"/>
+                    <a:t>ID</a:t>
+                  </a:r>
+                  <a:endParaRPr lang="zh-CN" altLang="en-US" dirty="0"/>
+                </a:p>
+              </p:txBody>
+            </p:sp>
+            <p:sp>
+              <p:nvSpPr>
+                <p:cNvPr id="72" name="矩形 71">
+                  <a:extLst>
+                    <a:ext uri="{FF2B5EF4-FFF2-40B4-BE49-F238E27FC236}">
+                      <a16:creationId xmlns:a16="http://schemas.microsoft.com/office/drawing/2014/main" id="{230C6DCA-712F-41BA-85BA-1BCDA962131F}"/>
+                    </a:ext>
+                  </a:extLst>
+                </p:cNvPr>
+                <p:cNvSpPr/>
+                <p:nvPr/>
+              </p:nvSpPr>
+              <p:spPr>
+                <a:xfrm>
+                  <a:off x="4206240" y="4058523"/>
+                  <a:ext cx="1889760" cy="2108597"/>
+                </a:xfrm>
+                <a:prstGeom prst="rect">
+                  <a:avLst/>
+                </a:prstGeom>
+              </p:spPr>
+              <p:style>
+                <a:lnRef idx="2">
+                  <a:schemeClr val="dk1"/>
+                </a:lnRef>
+                <a:fillRef idx="1">
+                  <a:schemeClr val="lt1"/>
+                </a:fillRef>
+                <a:effectRef idx="0">
+                  <a:schemeClr val="dk1"/>
+                </a:effectRef>
+                <a:fontRef idx="minor">
+                  <a:schemeClr val="dk1"/>
+                </a:fontRef>
+              </p:style>
+              <p:txBody>
+                <a:bodyPr rtlCol="0" anchor="ctr"/>
+                <a:lstStyle/>
+                <a:p>
+                  <a:pPr algn="ctr"/>
+                  <a:r>
+                    <a:rPr lang="zh-CN" altLang="en-US" dirty="0"/>
+                    <a:t>点信息</a:t>
+                  </a:r>
+                </a:p>
+              </p:txBody>
+            </p:sp>
+          </p:grpSp>
+          <p:grpSp>
+            <p:nvGrpSpPr>
+              <p:cNvPr id="84" name="组合 83">
+                <a:extLst>
+                  <a:ext uri="{FF2B5EF4-FFF2-40B4-BE49-F238E27FC236}">
+                    <a16:creationId xmlns:a16="http://schemas.microsoft.com/office/drawing/2014/main" id="{3F419D2D-67C3-43F0-9862-D1C34955FDA4}"/>
+                  </a:ext>
+                </a:extLst>
+              </p:cNvPr>
+              <p:cNvGrpSpPr/>
+              <p:nvPr/>
+            </p:nvGrpSpPr>
+            <p:grpSpPr>
+              <a:xfrm>
+                <a:off x="7884160" y="2825706"/>
+                <a:ext cx="1889760" cy="2631521"/>
+                <a:chOff x="4206240" y="3535599"/>
+                <a:chExt cx="1889760" cy="2631521"/>
+              </a:xfrm>
+            </p:grpSpPr>
+            <p:sp>
+              <p:nvSpPr>
+                <p:cNvPr id="85" name="矩形 84">
+                  <a:extLst>
+                    <a:ext uri="{FF2B5EF4-FFF2-40B4-BE49-F238E27FC236}">
+                      <a16:creationId xmlns:a16="http://schemas.microsoft.com/office/drawing/2014/main" id="{0EA34DE4-F643-4C5B-A405-E510401ABE6A}"/>
+                    </a:ext>
+                  </a:extLst>
+                </p:cNvPr>
+                <p:cNvSpPr/>
+                <p:nvPr/>
+              </p:nvSpPr>
+              <p:spPr>
+                <a:xfrm>
+                  <a:off x="4206240" y="3535599"/>
+                  <a:ext cx="1889760" cy="522924"/>
+                </a:xfrm>
+                <a:prstGeom prst="rect">
+                  <a:avLst/>
+                </a:prstGeom>
+              </p:spPr>
+              <p:style>
+                <a:lnRef idx="2">
+                  <a:schemeClr val="dk1"/>
+                </a:lnRef>
+                <a:fillRef idx="1">
+                  <a:schemeClr val="lt1"/>
+                </a:fillRef>
+                <a:effectRef idx="0">
+                  <a:schemeClr val="dk1"/>
+                </a:effectRef>
+                <a:fontRef idx="minor">
+                  <a:schemeClr val="dk1"/>
+                </a:fontRef>
+              </p:style>
+              <p:txBody>
+                <a:bodyPr rtlCol="0" anchor="ctr"/>
+                <a:lstStyle/>
+                <a:p>
+                  <a:pPr algn="ctr"/>
+                  <a:r>
+                    <a:rPr lang="zh-CN" altLang="en-US" dirty="0"/>
+                    <a:t>服务器</a:t>
+                  </a:r>
+                  <a:r>
+                    <a:rPr lang="en-US" altLang="zh-CN" dirty="0"/>
+                    <a:t>ID</a:t>
+                  </a:r>
+                  <a:endParaRPr lang="zh-CN" altLang="en-US" dirty="0"/>
+                </a:p>
+              </p:txBody>
+            </p:sp>
+            <p:sp>
+              <p:nvSpPr>
+                <p:cNvPr id="87" name="矩形 86">
+                  <a:extLst>
+                    <a:ext uri="{FF2B5EF4-FFF2-40B4-BE49-F238E27FC236}">
+                      <a16:creationId xmlns:a16="http://schemas.microsoft.com/office/drawing/2014/main" id="{D4BA78D7-2320-4B36-9551-CB9136455378}"/>
+                    </a:ext>
+                  </a:extLst>
+                </p:cNvPr>
+                <p:cNvSpPr/>
+                <p:nvPr/>
+              </p:nvSpPr>
+              <p:spPr>
+                <a:xfrm>
+                  <a:off x="4206240" y="4058523"/>
+                  <a:ext cx="1889760" cy="2108597"/>
+                </a:xfrm>
+                <a:prstGeom prst="rect">
+                  <a:avLst/>
+                </a:prstGeom>
+              </p:spPr>
+              <p:style>
+                <a:lnRef idx="2">
+                  <a:schemeClr val="dk1"/>
+                </a:lnRef>
+                <a:fillRef idx="1">
+                  <a:schemeClr val="lt1"/>
+                </a:fillRef>
+                <a:effectRef idx="0">
+                  <a:schemeClr val="dk1"/>
+                </a:effectRef>
+                <a:fontRef idx="minor">
+                  <a:schemeClr val="dk1"/>
+                </a:fontRef>
+              </p:style>
+              <p:txBody>
+                <a:bodyPr rtlCol="0" anchor="ctr"/>
+                <a:lstStyle/>
+                <a:p>
+                  <a:pPr algn="ctr"/>
+                  <a:r>
+                    <a:rPr lang="zh-CN" altLang="en-US" dirty="0"/>
+                    <a:t>点信息</a:t>
+                  </a:r>
+                </a:p>
+              </p:txBody>
+            </p:sp>
+          </p:grpSp>
+          <p:sp>
+            <p:nvSpPr>
+              <p:cNvPr id="92" name="文本框 91">
+                <a:extLst>
+                  <a:ext uri="{FF2B5EF4-FFF2-40B4-BE49-F238E27FC236}">
+                    <a16:creationId xmlns:a16="http://schemas.microsoft.com/office/drawing/2014/main" id="{3B63967B-EFB4-452A-897D-37BFFA0EF96A}"/>
+                  </a:ext>
+                </a:extLst>
+              </p:cNvPr>
+              <p:cNvSpPr txBox="1"/>
+              <p:nvPr/>
+            </p:nvSpPr>
+            <p:spPr>
+              <a:xfrm>
+                <a:off x="9773920" y="3985418"/>
+                <a:ext cx="800219" cy="369332"/>
+              </a:xfrm>
+              <a:prstGeom prst="rect">
+                <a:avLst/>
+              </a:prstGeom>
+              <a:noFill/>
+            </p:spPr>
+            <p:txBody>
+              <a:bodyPr wrap="none" rtlCol="0">
+                <a:spAutoFit/>
+              </a:bodyPr>
+              <a:lstStyle/>
+              <a:p>
+                <a:r>
+                  <a:rPr lang="en-US" altLang="zh-CN" dirty="0"/>
+                  <a:t>············</a:t>
+                </a:r>
+                <a:endParaRPr lang="zh-CN" altLang="en-US" dirty="0"/>
+              </a:p>
+            </p:txBody>
+          </p:sp>
+        </p:grpSp>
+        <p:grpSp>
+          <p:nvGrpSpPr>
+            <p:cNvPr id="11" name="组合 10">
+              <a:extLst>
+                <a:ext uri="{FF2B5EF4-FFF2-40B4-BE49-F238E27FC236}">
+                  <a16:creationId xmlns:a16="http://schemas.microsoft.com/office/drawing/2014/main" id="{5C28DFAE-A9D3-40A9-A88B-C9E8386FAD96}"/>
+                </a:ext>
+              </a:extLst>
+            </p:cNvPr>
+            <p:cNvGrpSpPr/>
+            <p:nvPr/>
+          </p:nvGrpSpPr>
+          <p:grpSpPr>
+            <a:xfrm>
+              <a:off x="4450078" y="4236680"/>
+              <a:ext cx="6582471" cy="1612217"/>
+              <a:chOff x="4450078" y="4236680"/>
+              <a:chExt cx="6582471" cy="1612217"/>
+            </a:xfrm>
+          </p:grpSpPr>
+          <p:sp>
+            <p:nvSpPr>
+              <p:cNvPr id="93" name="矩形 92">
+                <a:extLst>
+                  <a:ext uri="{FF2B5EF4-FFF2-40B4-BE49-F238E27FC236}">
+                    <a16:creationId xmlns:a16="http://schemas.microsoft.com/office/drawing/2014/main" id="{D7F455B7-545E-48C7-B1A1-13A69BB2C0FF}"/>
+                  </a:ext>
+                </a:extLst>
+              </p:cNvPr>
+              <p:cNvSpPr/>
+              <p:nvPr/>
+            </p:nvSpPr>
+            <p:spPr>
+              <a:xfrm>
+                <a:off x="4450078" y="4236680"/>
+                <a:ext cx="6581259" cy="1612217"/>
+              </a:xfrm>
+              <a:prstGeom prst="rect">
+                <a:avLst/>
+              </a:prstGeom>
+            </p:spPr>
+            <p:style>
+              <a:lnRef idx="2">
+                <a:schemeClr val="dk1"/>
+              </a:lnRef>
+              <a:fillRef idx="1">
+                <a:schemeClr val="lt1"/>
+              </a:fillRef>
+              <a:effectRef idx="0">
+                <a:schemeClr val="dk1"/>
+              </a:effectRef>
+              <a:fontRef idx="minor">
+                <a:schemeClr val="dk1"/>
+              </a:fontRef>
+            </p:style>
+            <p:txBody>
+              <a:bodyPr rtlCol="0" anchor="t"/>
+              <a:lstStyle/>
+              <a:p>
+                <a:pPr algn="ctr"/>
+                <a:r>
+                  <a:rPr lang="zh-CN" altLang="en-US" dirty="0"/>
+                  <a:t>客户端列表</a:t>
+                </a:r>
+              </a:p>
+            </p:txBody>
+          </p:sp>
+          <p:grpSp>
+            <p:nvGrpSpPr>
+              <p:cNvPr id="10" name="组合 9">
+                <a:extLst>
+                  <a:ext uri="{FF2B5EF4-FFF2-40B4-BE49-F238E27FC236}">
+                    <a16:creationId xmlns:a16="http://schemas.microsoft.com/office/drawing/2014/main" id="{4E925841-70CE-44A3-9852-612C2E2F7275}"/>
+                  </a:ext>
+                </a:extLst>
+              </p:cNvPr>
+              <p:cNvGrpSpPr/>
+              <p:nvPr/>
+            </p:nvGrpSpPr>
+            <p:grpSpPr>
+              <a:xfrm>
+                <a:off x="4561840" y="4613357"/>
+                <a:ext cx="1889760" cy="1051127"/>
+                <a:chOff x="6499599" y="3243736"/>
+                <a:chExt cx="1889760" cy="1051127"/>
+              </a:xfrm>
+            </p:grpSpPr>
+            <p:sp>
+              <p:nvSpPr>
+                <p:cNvPr id="94" name="矩形 93">
+                  <a:extLst>
+                    <a:ext uri="{FF2B5EF4-FFF2-40B4-BE49-F238E27FC236}">
+                      <a16:creationId xmlns:a16="http://schemas.microsoft.com/office/drawing/2014/main" id="{FE9594A3-260C-4D6C-98F1-06AC79FFBB93}"/>
+                    </a:ext>
+                  </a:extLst>
+                </p:cNvPr>
+                <p:cNvSpPr/>
+                <p:nvPr/>
+              </p:nvSpPr>
+              <p:spPr>
+                <a:xfrm>
+                  <a:off x="6499599" y="3243736"/>
+                  <a:ext cx="1889760" cy="522924"/>
+                </a:xfrm>
+                <a:prstGeom prst="rect">
+                  <a:avLst/>
+                </a:prstGeom>
+              </p:spPr>
+              <p:style>
+                <a:lnRef idx="2">
+                  <a:schemeClr val="dk1"/>
+                </a:lnRef>
+                <a:fillRef idx="1">
+                  <a:schemeClr val="lt1"/>
+                </a:fillRef>
+                <a:effectRef idx="0">
+                  <a:schemeClr val="dk1"/>
+                </a:effectRef>
+                <a:fontRef idx="minor">
+                  <a:schemeClr val="dk1"/>
+                </a:fontRef>
+              </p:style>
+              <p:txBody>
+                <a:bodyPr rtlCol="0" anchor="ctr"/>
+                <a:lstStyle/>
+                <a:p>
+                  <a:pPr algn="ctr"/>
+                  <a:r>
+                    <a:rPr lang="zh-CN" altLang="en-US" dirty="0"/>
+                    <a:t>客户端</a:t>
+                  </a:r>
+                  <a:r>
+                    <a:rPr lang="en-US" altLang="zh-CN" dirty="0"/>
+                    <a:t>ID</a:t>
+                  </a:r>
+                  <a:endParaRPr lang="zh-CN" altLang="en-US" dirty="0"/>
+                </a:p>
+              </p:txBody>
+            </p:sp>
+            <p:sp>
+              <p:nvSpPr>
+                <p:cNvPr id="95" name="矩形 94">
+                  <a:extLst>
+                    <a:ext uri="{FF2B5EF4-FFF2-40B4-BE49-F238E27FC236}">
+                      <a16:creationId xmlns:a16="http://schemas.microsoft.com/office/drawing/2014/main" id="{B44C81BF-73A3-45AF-A240-7FAB97973B51}"/>
+                    </a:ext>
+                  </a:extLst>
+                </p:cNvPr>
+                <p:cNvSpPr/>
+                <p:nvPr/>
+              </p:nvSpPr>
+              <p:spPr>
+                <a:xfrm>
+                  <a:off x="6499599" y="3771939"/>
+                  <a:ext cx="1889760" cy="522924"/>
+                </a:xfrm>
+                <a:prstGeom prst="rect">
+                  <a:avLst/>
+                </a:prstGeom>
+              </p:spPr>
+              <p:style>
+                <a:lnRef idx="2">
+                  <a:schemeClr val="dk1"/>
+                </a:lnRef>
+                <a:fillRef idx="1">
+                  <a:schemeClr val="lt1"/>
+                </a:fillRef>
+                <a:effectRef idx="0">
+                  <a:schemeClr val="dk1"/>
+                </a:effectRef>
+                <a:fontRef idx="minor">
+                  <a:schemeClr val="dk1"/>
+                </a:fontRef>
+              </p:style>
+              <p:txBody>
+                <a:bodyPr rtlCol="0" anchor="ctr"/>
+                <a:lstStyle/>
+                <a:p>
+                  <a:pPr algn="ctr"/>
+                  <a:r>
+                    <a:rPr lang="zh-CN" altLang="en-US" dirty="0"/>
+                    <a:t>客户端信息</a:t>
+                  </a:r>
+                </a:p>
+              </p:txBody>
+            </p:sp>
+          </p:grpSp>
+          <p:grpSp>
+            <p:nvGrpSpPr>
+              <p:cNvPr id="96" name="组合 95">
+                <a:extLst>
+                  <a:ext uri="{FF2B5EF4-FFF2-40B4-BE49-F238E27FC236}">
+                    <a16:creationId xmlns:a16="http://schemas.microsoft.com/office/drawing/2014/main" id="{6F038FDB-8FC9-4038-BF60-CD85F0B99A00}"/>
+                  </a:ext>
+                </a:extLst>
+              </p:cNvPr>
+              <p:cNvGrpSpPr/>
+              <p:nvPr/>
+            </p:nvGrpSpPr>
+            <p:grpSpPr>
+              <a:xfrm>
+                <a:off x="6451600" y="4613357"/>
+                <a:ext cx="1889760" cy="1051127"/>
+                <a:chOff x="6499599" y="3243736"/>
+                <a:chExt cx="1889760" cy="1051127"/>
+              </a:xfrm>
+            </p:grpSpPr>
+            <p:sp>
+              <p:nvSpPr>
+                <p:cNvPr id="97" name="矩形 96">
+                  <a:extLst>
+                    <a:ext uri="{FF2B5EF4-FFF2-40B4-BE49-F238E27FC236}">
+                      <a16:creationId xmlns:a16="http://schemas.microsoft.com/office/drawing/2014/main" id="{00D697B0-BDC8-4388-9695-AB34C68F5A82}"/>
+                    </a:ext>
+                  </a:extLst>
+                </p:cNvPr>
+                <p:cNvSpPr/>
+                <p:nvPr/>
+              </p:nvSpPr>
+              <p:spPr>
+                <a:xfrm>
+                  <a:off x="6499599" y="3243736"/>
+                  <a:ext cx="1889760" cy="522924"/>
+                </a:xfrm>
+                <a:prstGeom prst="rect">
+                  <a:avLst/>
+                </a:prstGeom>
+              </p:spPr>
+              <p:style>
+                <a:lnRef idx="2">
+                  <a:schemeClr val="dk1"/>
+                </a:lnRef>
+                <a:fillRef idx="1">
+                  <a:schemeClr val="lt1"/>
+                </a:fillRef>
+                <a:effectRef idx="0">
+                  <a:schemeClr val="dk1"/>
+                </a:effectRef>
+                <a:fontRef idx="minor">
+                  <a:schemeClr val="dk1"/>
+                </a:fontRef>
+              </p:style>
+              <p:txBody>
+                <a:bodyPr rtlCol="0" anchor="ctr"/>
+                <a:lstStyle/>
+                <a:p>
+                  <a:pPr algn="ctr"/>
+                  <a:r>
+                    <a:rPr lang="zh-CN" altLang="en-US" dirty="0"/>
+                    <a:t>客户端</a:t>
+                  </a:r>
+                  <a:r>
+                    <a:rPr lang="en-US" altLang="zh-CN" dirty="0"/>
+                    <a:t>ID</a:t>
+                  </a:r>
+                  <a:endParaRPr lang="zh-CN" altLang="en-US" dirty="0"/>
+                </a:p>
+              </p:txBody>
+            </p:sp>
+            <p:sp>
+              <p:nvSpPr>
+                <p:cNvPr id="98" name="矩形 97">
+                  <a:extLst>
+                    <a:ext uri="{FF2B5EF4-FFF2-40B4-BE49-F238E27FC236}">
+                      <a16:creationId xmlns:a16="http://schemas.microsoft.com/office/drawing/2014/main" id="{CA466AD3-3D30-4957-BC77-42933E85A9C5}"/>
+                    </a:ext>
+                  </a:extLst>
+                </p:cNvPr>
+                <p:cNvSpPr/>
+                <p:nvPr/>
+              </p:nvSpPr>
+              <p:spPr>
+                <a:xfrm>
+                  <a:off x="6499599" y="3771939"/>
+                  <a:ext cx="1889760" cy="522924"/>
+                </a:xfrm>
+                <a:prstGeom prst="rect">
+                  <a:avLst/>
+                </a:prstGeom>
+              </p:spPr>
+              <p:style>
+                <a:lnRef idx="2">
+                  <a:schemeClr val="dk1"/>
+                </a:lnRef>
+                <a:fillRef idx="1">
+                  <a:schemeClr val="lt1"/>
+                </a:fillRef>
+                <a:effectRef idx="0">
+                  <a:schemeClr val="dk1"/>
+                </a:effectRef>
+                <a:fontRef idx="minor">
+                  <a:schemeClr val="dk1"/>
+                </a:fontRef>
+              </p:style>
+              <p:txBody>
+                <a:bodyPr rtlCol="0" anchor="ctr"/>
+                <a:lstStyle/>
+                <a:p>
+                  <a:pPr algn="ctr"/>
+                  <a:r>
+                    <a:rPr lang="zh-CN" altLang="en-US" dirty="0"/>
+                    <a:t>客户端信息</a:t>
+                  </a:r>
+                </a:p>
+              </p:txBody>
+            </p:sp>
+          </p:grpSp>
+          <p:grpSp>
+            <p:nvGrpSpPr>
+              <p:cNvPr id="99" name="组合 98">
+                <a:extLst>
+                  <a:ext uri="{FF2B5EF4-FFF2-40B4-BE49-F238E27FC236}">
+                    <a16:creationId xmlns:a16="http://schemas.microsoft.com/office/drawing/2014/main" id="{14C7366E-F7B9-43FF-A94A-C98C9EB4A584}"/>
+                  </a:ext>
+                </a:extLst>
+              </p:cNvPr>
+              <p:cNvGrpSpPr/>
+              <p:nvPr/>
+            </p:nvGrpSpPr>
+            <p:grpSpPr>
+              <a:xfrm>
+                <a:off x="8341360" y="4613357"/>
+                <a:ext cx="1889760" cy="1051127"/>
+                <a:chOff x="6499599" y="3243736"/>
+                <a:chExt cx="1889760" cy="1051127"/>
+              </a:xfrm>
+            </p:grpSpPr>
+            <p:sp>
+              <p:nvSpPr>
+                <p:cNvPr id="100" name="矩形 99">
+                  <a:extLst>
+                    <a:ext uri="{FF2B5EF4-FFF2-40B4-BE49-F238E27FC236}">
+                      <a16:creationId xmlns:a16="http://schemas.microsoft.com/office/drawing/2014/main" id="{DC84E2F3-36FB-4504-A996-8EAB0BCC5C9A}"/>
+                    </a:ext>
+                  </a:extLst>
+                </p:cNvPr>
+                <p:cNvSpPr/>
+                <p:nvPr/>
+              </p:nvSpPr>
+              <p:spPr>
+                <a:xfrm>
+                  <a:off x="6499599" y="3243736"/>
+                  <a:ext cx="1889760" cy="522924"/>
+                </a:xfrm>
+                <a:prstGeom prst="rect">
+                  <a:avLst/>
+                </a:prstGeom>
+              </p:spPr>
+              <p:style>
+                <a:lnRef idx="2">
+                  <a:schemeClr val="dk1"/>
+                </a:lnRef>
+                <a:fillRef idx="1">
+                  <a:schemeClr val="lt1"/>
+                </a:fillRef>
+                <a:effectRef idx="0">
+                  <a:schemeClr val="dk1"/>
+                </a:effectRef>
+                <a:fontRef idx="minor">
+                  <a:schemeClr val="dk1"/>
+                </a:fontRef>
+              </p:style>
+              <p:txBody>
+                <a:bodyPr rtlCol="0" anchor="ctr"/>
+                <a:lstStyle/>
+                <a:p>
+                  <a:pPr algn="ctr"/>
+                  <a:r>
+                    <a:rPr lang="zh-CN" altLang="en-US" dirty="0"/>
+                    <a:t>客户端</a:t>
+                  </a:r>
+                  <a:r>
+                    <a:rPr lang="en-US" altLang="zh-CN" dirty="0"/>
+                    <a:t>ID</a:t>
+                  </a:r>
+                  <a:endParaRPr lang="zh-CN" altLang="en-US" dirty="0"/>
+                </a:p>
+              </p:txBody>
+            </p:sp>
+            <p:sp>
+              <p:nvSpPr>
+                <p:cNvPr id="101" name="矩形 100">
+                  <a:extLst>
+                    <a:ext uri="{FF2B5EF4-FFF2-40B4-BE49-F238E27FC236}">
+                      <a16:creationId xmlns:a16="http://schemas.microsoft.com/office/drawing/2014/main" id="{57561D2D-F406-4BF7-8D4E-01DF314DE2B7}"/>
+                    </a:ext>
+                  </a:extLst>
+                </p:cNvPr>
+                <p:cNvSpPr/>
+                <p:nvPr/>
+              </p:nvSpPr>
+              <p:spPr>
+                <a:xfrm>
+                  <a:off x="6499599" y="3771939"/>
+                  <a:ext cx="1889760" cy="522924"/>
+                </a:xfrm>
+                <a:prstGeom prst="rect">
+                  <a:avLst/>
+                </a:prstGeom>
+              </p:spPr>
+              <p:style>
+                <a:lnRef idx="2">
+                  <a:schemeClr val="dk1"/>
+                </a:lnRef>
+                <a:fillRef idx="1">
+                  <a:schemeClr val="lt1"/>
+                </a:fillRef>
+                <a:effectRef idx="0">
+                  <a:schemeClr val="dk1"/>
+                </a:effectRef>
+                <a:fontRef idx="minor">
+                  <a:schemeClr val="dk1"/>
+                </a:fontRef>
+              </p:style>
+              <p:txBody>
+                <a:bodyPr rtlCol="0" anchor="ctr"/>
+                <a:lstStyle/>
+                <a:p>
+                  <a:pPr algn="ctr"/>
+                  <a:r>
+                    <a:rPr lang="zh-CN" altLang="en-US" dirty="0"/>
+                    <a:t>客户端信息</a:t>
+                  </a:r>
+                </a:p>
+              </p:txBody>
+            </p:sp>
+          </p:grpSp>
+          <p:sp>
+            <p:nvSpPr>
+              <p:cNvPr id="102" name="文本框 101">
+                <a:extLst>
+                  <a:ext uri="{FF2B5EF4-FFF2-40B4-BE49-F238E27FC236}">
+                    <a16:creationId xmlns:a16="http://schemas.microsoft.com/office/drawing/2014/main" id="{E22FF87E-A758-47E9-BD90-2567BA92D577}"/>
+                  </a:ext>
+                </a:extLst>
+              </p:cNvPr>
+              <p:cNvSpPr txBox="1"/>
+              <p:nvPr/>
+            </p:nvSpPr>
+            <p:spPr>
+              <a:xfrm>
+                <a:off x="10232330" y="4879719"/>
+                <a:ext cx="800219" cy="369332"/>
+              </a:xfrm>
+              <a:prstGeom prst="rect">
+                <a:avLst/>
+              </a:prstGeom>
+              <a:noFill/>
+            </p:spPr>
+            <p:txBody>
+              <a:bodyPr wrap="none" rtlCol="0">
+                <a:spAutoFit/>
+              </a:bodyPr>
+              <a:lstStyle/>
+              <a:p>
+                <a:r>
+                  <a:rPr lang="en-US" altLang="zh-CN" dirty="0"/>
+                  <a:t>············</a:t>
+                </a:r>
+                <a:endParaRPr lang="zh-CN" altLang="en-US" dirty="0"/>
+              </a:p>
+            </p:txBody>
+          </p:sp>
+        </p:grpSp>
+      </p:grpSp>
+      <p:cxnSp>
+        <p:nvCxnSpPr>
+          <p:cNvPr id="109" name="直接箭头连接符 108">
+            <a:extLst>
+              <a:ext uri="{FF2B5EF4-FFF2-40B4-BE49-F238E27FC236}">
+                <a16:creationId xmlns:a16="http://schemas.microsoft.com/office/drawing/2014/main" id="{065B8A65-2764-46E8-B4AF-2CD062AF0EF7}"/>
+              </a:ext>
+            </a:extLst>
+          </p:cNvPr>
+          <p:cNvCxnSpPr>
+            <a:cxnSpLocks/>
+            <a:stCxn id="120" idx="3"/>
+            <a:endCxn id="60" idx="1"/>
+          </p:cNvCxnSpPr>
+          <p:nvPr/>
+        </p:nvCxnSpPr>
+        <p:spPr>
+          <a:xfrm flipV="1">
+            <a:off x="4256501" y="3738951"/>
+            <a:ext cx="978699" cy="574444"/>
+          </a:xfrm>
+          <a:prstGeom prst="straightConnector1">
+            <a:avLst/>
+          </a:prstGeom>
+          <a:ln>
+            <a:tailEnd type="triangle"/>
+          </a:ln>
+        </p:spPr>
+        <p:style>
+          <a:lnRef idx="3">
+            <a:schemeClr val="dk1"/>
+          </a:lnRef>
+          <a:fillRef idx="0">
+            <a:schemeClr val="dk1"/>
+          </a:fillRef>
+          <a:effectRef idx="2">
+            <a:schemeClr val="dk1"/>
+          </a:effectRef>
+          <a:fontRef idx="minor">
+            <a:schemeClr val="tx1"/>
+          </a:fontRef>
+        </p:style>
+      </p:cxnSp>
+      <p:cxnSp>
+        <p:nvCxnSpPr>
+          <p:cNvPr id="110" name="直接箭头连接符 109">
+            <a:extLst>
+              <a:ext uri="{FF2B5EF4-FFF2-40B4-BE49-F238E27FC236}">
+                <a16:creationId xmlns:a16="http://schemas.microsoft.com/office/drawing/2014/main" id="{EA5D1E30-7A17-4D68-8FE3-9F69D2CF48C7}"/>
+              </a:ext>
+            </a:extLst>
+          </p:cNvPr>
+          <p:cNvCxnSpPr>
+            <a:cxnSpLocks/>
+            <a:stCxn id="120" idx="3"/>
+            <a:endCxn id="94" idx="1"/>
+          </p:cNvCxnSpPr>
+          <p:nvPr/>
+        </p:nvCxnSpPr>
+        <p:spPr>
+          <a:xfrm>
+            <a:off x="4256501" y="4313395"/>
+            <a:ext cx="843819" cy="561424"/>
+          </a:xfrm>
+          <a:prstGeom prst="straightConnector1">
+            <a:avLst/>
+          </a:prstGeom>
+          <a:ln>
+            <a:tailEnd type="triangle"/>
+          </a:ln>
+        </p:spPr>
+        <p:style>
+          <a:lnRef idx="3">
+            <a:schemeClr val="dk1"/>
+          </a:lnRef>
+          <a:fillRef idx="0">
+            <a:schemeClr val="dk1"/>
+          </a:fillRef>
+          <a:effectRef idx="2">
+            <a:schemeClr val="dk1"/>
+          </a:effectRef>
+          <a:fontRef idx="minor">
+            <a:schemeClr val="tx1"/>
+          </a:fontRef>
+        </p:style>
+      </p:cxnSp>
+      <p:cxnSp>
+        <p:nvCxnSpPr>
+          <p:cNvPr id="111" name="直接箭头连接符 110">
+            <a:extLst>
+              <a:ext uri="{FF2B5EF4-FFF2-40B4-BE49-F238E27FC236}">
+                <a16:creationId xmlns:a16="http://schemas.microsoft.com/office/drawing/2014/main" id="{E17D9B65-E9CA-4799-910D-A1E6966A8D31}"/>
+              </a:ext>
+            </a:extLst>
+          </p:cNvPr>
+          <p:cNvCxnSpPr>
+            <a:cxnSpLocks/>
+            <a:stCxn id="120" idx="3"/>
+            <a:endCxn id="95" idx="1"/>
+          </p:cNvCxnSpPr>
+          <p:nvPr/>
+        </p:nvCxnSpPr>
+        <p:spPr>
+          <a:xfrm>
+            <a:off x="4256501" y="4313395"/>
+            <a:ext cx="843819" cy="1089627"/>
+          </a:xfrm>
+          <a:prstGeom prst="straightConnector1">
+            <a:avLst/>
+          </a:prstGeom>
+          <a:ln>
+            <a:tailEnd type="triangle"/>
+          </a:ln>
+        </p:spPr>
+        <p:style>
+          <a:lnRef idx="3">
+            <a:schemeClr val="dk1"/>
+          </a:lnRef>
+          <a:fillRef idx="0">
+            <a:schemeClr val="dk1"/>
+          </a:fillRef>
+          <a:effectRef idx="2">
+            <a:schemeClr val="dk1"/>
+          </a:effectRef>
+          <a:fontRef idx="minor">
+            <a:schemeClr val="tx1"/>
+          </a:fontRef>
+        </p:style>
+      </p:cxnSp>
+      <p:cxnSp>
+        <p:nvCxnSpPr>
+          <p:cNvPr id="112" name="直接箭头连接符 111">
+            <a:extLst>
+              <a:ext uri="{FF2B5EF4-FFF2-40B4-BE49-F238E27FC236}">
+                <a16:creationId xmlns:a16="http://schemas.microsoft.com/office/drawing/2014/main" id="{F48D3050-B011-45C6-9249-5370EFAE9CBE}"/>
+              </a:ext>
+            </a:extLst>
+          </p:cNvPr>
+          <p:cNvCxnSpPr>
+            <a:cxnSpLocks/>
+            <a:stCxn id="119" idx="3"/>
+            <a:endCxn id="57" idx="1"/>
+          </p:cNvCxnSpPr>
+          <p:nvPr/>
+        </p:nvCxnSpPr>
+        <p:spPr>
+          <a:xfrm flipV="1">
+            <a:off x="4256501" y="3198951"/>
+            <a:ext cx="978699" cy="616604"/>
+          </a:xfrm>
+          <a:prstGeom prst="straightConnector1">
+            <a:avLst/>
+          </a:prstGeom>
+          <a:ln>
+            <a:tailEnd type="triangle"/>
+          </a:ln>
+        </p:spPr>
+        <p:style>
+          <a:lnRef idx="3">
+            <a:schemeClr val="dk1"/>
+          </a:lnRef>
+          <a:fillRef idx="0">
+            <a:schemeClr val="dk1"/>
+          </a:fillRef>
+          <a:effectRef idx="2">
+            <a:schemeClr val="dk1"/>
+          </a:effectRef>
+          <a:fontRef idx="minor">
+            <a:schemeClr val="tx1"/>
+          </a:fontRef>
+        </p:style>
+      </p:cxnSp>
+      <p:cxnSp>
+        <p:nvCxnSpPr>
+          <p:cNvPr id="114" name="直接箭头连接符 113">
+            <a:extLst>
+              <a:ext uri="{FF2B5EF4-FFF2-40B4-BE49-F238E27FC236}">
+                <a16:creationId xmlns:a16="http://schemas.microsoft.com/office/drawing/2014/main" id="{2F3D54DC-4DC4-4200-B0BE-812E6D9BA6ED}"/>
+              </a:ext>
+            </a:extLst>
+          </p:cNvPr>
+          <p:cNvCxnSpPr>
+            <a:cxnSpLocks/>
+            <a:stCxn id="121" idx="3"/>
+            <a:endCxn id="56" idx="1"/>
+          </p:cNvCxnSpPr>
+          <p:nvPr/>
+        </p:nvCxnSpPr>
+        <p:spPr>
+          <a:xfrm flipV="1">
+            <a:off x="4256500" y="2658951"/>
+            <a:ext cx="978700" cy="160924"/>
+          </a:xfrm>
+          <a:prstGeom prst="straightConnector1">
+            <a:avLst/>
+          </a:prstGeom>
+          <a:ln>
+            <a:tailEnd type="triangle"/>
+          </a:ln>
+        </p:spPr>
+        <p:style>
+          <a:lnRef idx="3">
+            <a:schemeClr val="dk1"/>
+          </a:lnRef>
+          <a:fillRef idx="0">
+            <a:schemeClr val="dk1"/>
+          </a:fillRef>
+          <a:effectRef idx="2">
+            <a:schemeClr val="dk1"/>
+          </a:effectRef>
+          <a:fontRef idx="minor">
+            <a:schemeClr val="tx1"/>
+          </a:fontRef>
+        </p:style>
+      </p:cxnSp>
+      <p:cxnSp>
+        <p:nvCxnSpPr>
+          <p:cNvPr id="115" name="直接箭头连接符 114">
+            <a:extLst>
+              <a:ext uri="{FF2B5EF4-FFF2-40B4-BE49-F238E27FC236}">
+                <a16:creationId xmlns:a16="http://schemas.microsoft.com/office/drawing/2014/main" id="{6E3ABE13-AFD3-4232-B64A-B88C55811F19}"/>
+              </a:ext>
+            </a:extLst>
+          </p:cNvPr>
+          <p:cNvCxnSpPr>
+            <a:cxnSpLocks/>
+            <a:stCxn id="121" idx="3"/>
+            <a:endCxn id="53" idx="1"/>
+          </p:cNvCxnSpPr>
+          <p:nvPr/>
+        </p:nvCxnSpPr>
+        <p:spPr>
+          <a:xfrm flipV="1">
+            <a:off x="4256500" y="1755574"/>
+            <a:ext cx="843820" cy="1064301"/>
+          </a:xfrm>
+          <a:prstGeom prst="straightConnector1">
+            <a:avLst/>
+          </a:prstGeom>
+          <a:ln>
+            <a:tailEnd type="triangle"/>
+          </a:ln>
+        </p:spPr>
+        <p:style>
+          <a:lnRef idx="3">
+            <a:schemeClr val="dk1"/>
+          </a:lnRef>
+          <a:fillRef idx="0">
+            <a:schemeClr val="dk1"/>
+          </a:fillRef>
+          <a:effectRef idx="2">
+            <a:schemeClr val="dk1"/>
+          </a:effectRef>
+          <a:fontRef idx="minor">
+            <a:schemeClr val="tx1"/>
+          </a:fontRef>
+        </p:style>
+      </p:cxnSp>
+      <p:sp>
+        <p:nvSpPr>
+          <p:cNvPr id="123" name="矩形 122">
+            <a:extLst>
+              <a:ext uri="{FF2B5EF4-FFF2-40B4-BE49-F238E27FC236}">
+                <a16:creationId xmlns:a16="http://schemas.microsoft.com/office/drawing/2014/main" id="{83140F83-CECA-45FD-B7E2-C7234E061425}"/>
+              </a:ext>
+            </a:extLst>
+          </p:cNvPr>
+          <p:cNvSpPr/>
+          <p:nvPr/>
+        </p:nvSpPr>
+        <p:spPr>
+          <a:xfrm>
+            <a:off x="1862221" y="2173764"/>
+            <a:ext cx="930567" cy="2510472"/>
+          </a:xfrm>
+          <a:prstGeom prst="rect">
+            <a:avLst/>
+          </a:prstGeom>
+        </p:spPr>
+        <p:style>
+          <a:lnRef idx="2">
+            <a:schemeClr val="dk1"/>
+          </a:lnRef>
+          <a:fillRef idx="1">
+            <a:schemeClr val="lt1"/>
+          </a:fillRef>
+          <a:effectRef idx="0">
+            <a:schemeClr val="dk1"/>
+          </a:effectRef>
+          <a:fontRef idx="minor">
+            <a:schemeClr val="dk1"/>
+          </a:fontRef>
+        </p:style>
+        <p:txBody>
+          <a:bodyPr rtlCol="0" anchor="ctr"/>
+          <a:lstStyle/>
+          <a:p>
+            <a:pPr algn="ctr"/>
+            <a:r>
+              <a:rPr lang="zh-CN" altLang="en-US" dirty="0"/>
+              <a:t>节点</a:t>
+            </a:r>
+            <a:endParaRPr lang="en-US" altLang="zh-CN" dirty="0"/>
+          </a:p>
+          <a:p>
+            <a:pPr algn="ctr"/>
+            <a:r>
+              <a:rPr lang="zh-CN" altLang="en-US" dirty="0"/>
+              <a:t>信息</a:t>
+            </a:r>
+          </a:p>
+        </p:txBody>
+      </p:sp>
+      <p:sp>
+        <p:nvSpPr>
+          <p:cNvPr id="128" name="文本框 127">
+            <a:extLst>
+              <a:ext uri="{FF2B5EF4-FFF2-40B4-BE49-F238E27FC236}">
+                <a16:creationId xmlns:a16="http://schemas.microsoft.com/office/drawing/2014/main" id="{A2DBFB44-2F4F-42DC-A735-E6D0C30D0DCF}"/>
+              </a:ext>
+            </a:extLst>
+          </p:cNvPr>
+          <p:cNvSpPr txBox="1"/>
+          <p:nvPr/>
+        </p:nvSpPr>
+        <p:spPr>
+          <a:xfrm>
+            <a:off x="152281" y="3244334"/>
+            <a:ext cx="800219" cy="369332"/>
+          </a:xfrm>
+          <a:prstGeom prst="rect">
+            <a:avLst/>
+          </a:prstGeom>
+          <a:noFill/>
+        </p:spPr>
+        <p:txBody>
+          <a:bodyPr wrap="none" rtlCol="0">
+            <a:spAutoFit/>
+          </a:bodyPr>
+          <a:lstStyle/>
+          <a:p>
+            <a:r>
+              <a:rPr lang="en-US" altLang="zh-CN" dirty="0"/>
+              <a:t>············</a:t>
+            </a:r>
+            <a:endParaRPr lang="zh-CN" altLang="en-US" dirty="0"/>
+          </a:p>
+        </p:txBody>
+      </p:sp>
+      <p:sp>
+        <p:nvSpPr>
+          <p:cNvPr id="129" name="矩形 128">
+            <a:extLst>
+              <a:ext uri="{FF2B5EF4-FFF2-40B4-BE49-F238E27FC236}">
+                <a16:creationId xmlns:a16="http://schemas.microsoft.com/office/drawing/2014/main" id="{9E969310-DC7A-410D-AF04-E8EB8F67E190}"/>
+              </a:ext>
+            </a:extLst>
+          </p:cNvPr>
+          <p:cNvSpPr/>
+          <p:nvPr/>
+        </p:nvSpPr>
+        <p:spPr>
+          <a:xfrm>
+            <a:off x="1062003" y="2173764"/>
+            <a:ext cx="799006" cy="2510472"/>
+          </a:xfrm>
+          <a:prstGeom prst="rect">
+            <a:avLst/>
+          </a:prstGeom>
+        </p:spPr>
+        <p:style>
+          <a:lnRef idx="2">
+            <a:schemeClr val="dk1"/>
+          </a:lnRef>
+          <a:fillRef idx="1">
+            <a:schemeClr val="lt1"/>
+          </a:fillRef>
+          <a:effectRef idx="0">
+            <a:schemeClr val="dk1"/>
+          </a:effectRef>
+          <a:fontRef idx="minor">
+            <a:schemeClr val="dk1"/>
+          </a:fontRef>
+        </p:style>
+        <p:txBody>
+          <a:bodyPr rtlCol="0" anchor="ctr"/>
+          <a:lstStyle/>
+          <a:p>
+            <a:pPr algn="ctr"/>
+            <a:r>
+              <a:rPr lang="zh-CN" altLang="en-US" dirty="0"/>
+              <a:t>节点信息</a:t>
+            </a:r>
+          </a:p>
+        </p:txBody>
+      </p:sp>
+    </p:spTree>
+    <p:extLst>
+      <p:ext uri="{BB962C8B-B14F-4D97-AF65-F5344CB8AC3E}">
+        <p14:creationId xmlns:p14="http://schemas.microsoft.com/office/powerpoint/2010/main" val="3015798767"/>
+      </p:ext>
+    </p:extLst>
+  </p:cSld>
+  <p:clrMapOvr>
+    <a:masterClrMapping/>
+  </p:clrMapOvr>
+</p:sld>
+</file>
+
 <file path=ppt/slides/slide2.xml><?xml version="1.0" encoding="utf-8"?>
 <p:sld xmlns:a="http://schemas.openxmlformats.org/drawingml/2006/main" xmlns:r="http://schemas.openxmlformats.org/officeDocument/2006/relationships" xmlns:p="http://schemas.openxmlformats.org/presentationml/2006/main">
   <p:cSld>

--- a/设计图.pptx
+++ b/设计图.pptx
@@ -274,7 +274,7 @@
           <a:p>
             <a:fld id="{6C98D4B4-EDE5-4699-BAB6-6AE8726FF57E}" type="datetimeFigureOut">
               <a:rPr lang="zh-CN" altLang="en-US" smtClean="0"/>
-              <a:t>2020/3/15</a:t>
+              <a:t>2020/4/4</a:t>
             </a:fld>
             <a:endParaRPr lang="zh-CN" altLang="en-US"/>
           </a:p>
@@ -472,7 +472,7 @@
           <a:p>
             <a:fld id="{6C98D4B4-EDE5-4699-BAB6-6AE8726FF57E}" type="datetimeFigureOut">
               <a:rPr lang="zh-CN" altLang="en-US" smtClean="0"/>
-              <a:t>2020/3/15</a:t>
+              <a:t>2020/4/4</a:t>
             </a:fld>
             <a:endParaRPr lang="zh-CN" altLang="en-US"/>
           </a:p>
@@ -680,7 +680,7 @@
           <a:p>
             <a:fld id="{6C98D4B4-EDE5-4699-BAB6-6AE8726FF57E}" type="datetimeFigureOut">
               <a:rPr lang="zh-CN" altLang="en-US" smtClean="0"/>
-              <a:t>2020/3/15</a:t>
+              <a:t>2020/4/4</a:t>
             </a:fld>
             <a:endParaRPr lang="zh-CN" altLang="en-US"/>
           </a:p>
@@ -878,7 +878,7 @@
           <a:p>
             <a:fld id="{6C98D4B4-EDE5-4699-BAB6-6AE8726FF57E}" type="datetimeFigureOut">
               <a:rPr lang="zh-CN" altLang="en-US" smtClean="0"/>
-              <a:t>2020/3/15</a:t>
+              <a:t>2020/4/4</a:t>
             </a:fld>
             <a:endParaRPr lang="zh-CN" altLang="en-US"/>
           </a:p>
@@ -1153,7 +1153,7 @@
           <a:p>
             <a:fld id="{6C98D4B4-EDE5-4699-BAB6-6AE8726FF57E}" type="datetimeFigureOut">
               <a:rPr lang="zh-CN" altLang="en-US" smtClean="0"/>
-              <a:t>2020/3/15</a:t>
+              <a:t>2020/4/4</a:t>
             </a:fld>
             <a:endParaRPr lang="zh-CN" altLang="en-US"/>
           </a:p>
@@ -1418,7 +1418,7 @@
           <a:p>
             <a:fld id="{6C98D4B4-EDE5-4699-BAB6-6AE8726FF57E}" type="datetimeFigureOut">
               <a:rPr lang="zh-CN" altLang="en-US" smtClean="0"/>
-              <a:t>2020/3/15</a:t>
+              <a:t>2020/4/4</a:t>
             </a:fld>
             <a:endParaRPr lang="zh-CN" altLang="en-US"/>
           </a:p>
@@ -1830,7 +1830,7 @@
           <a:p>
             <a:fld id="{6C98D4B4-EDE5-4699-BAB6-6AE8726FF57E}" type="datetimeFigureOut">
               <a:rPr lang="zh-CN" altLang="en-US" smtClean="0"/>
-              <a:t>2020/3/15</a:t>
+              <a:t>2020/4/4</a:t>
             </a:fld>
             <a:endParaRPr lang="zh-CN" altLang="en-US"/>
           </a:p>
@@ -1971,7 +1971,7 @@
           <a:p>
             <a:fld id="{6C98D4B4-EDE5-4699-BAB6-6AE8726FF57E}" type="datetimeFigureOut">
               <a:rPr lang="zh-CN" altLang="en-US" smtClean="0"/>
-              <a:t>2020/3/15</a:t>
+              <a:t>2020/4/4</a:t>
             </a:fld>
             <a:endParaRPr lang="zh-CN" altLang="en-US"/>
           </a:p>
@@ -2084,7 +2084,7 @@
           <a:p>
             <a:fld id="{6C98D4B4-EDE5-4699-BAB6-6AE8726FF57E}" type="datetimeFigureOut">
               <a:rPr lang="zh-CN" altLang="en-US" smtClean="0"/>
-              <a:t>2020/3/15</a:t>
+              <a:t>2020/4/4</a:t>
             </a:fld>
             <a:endParaRPr lang="zh-CN" altLang="en-US"/>
           </a:p>
@@ -2395,7 +2395,7 @@
           <a:p>
             <a:fld id="{6C98D4B4-EDE5-4699-BAB6-6AE8726FF57E}" type="datetimeFigureOut">
               <a:rPr lang="zh-CN" altLang="en-US" smtClean="0"/>
-              <a:t>2020/3/15</a:t>
+              <a:t>2020/4/4</a:t>
             </a:fld>
             <a:endParaRPr lang="zh-CN" altLang="en-US"/>
           </a:p>
@@ -2683,7 +2683,7 @@
           <a:p>
             <a:fld id="{6C98D4B4-EDE5-4699-BAB6-6AE8726FF57E}" type="datetimeFigureOut">
               <a:rPr lang="zh-CN" altLang="en-US" smtClean="0"/>
-              <a:t>2020/3/15</a:t>
+              <a:t>2020/4/4</a:t>
             </a:fld>
             <a:endParaRPr lang="zh-CN" altLang="en-US"/>
           </a:p>
@@ -2924,7 +2924,7 @@
           <a:p>
             <a:fld id="{6C98D4B4-EDE5-4699-BAB6-6AE8726FF57E}" type="datetimeFigureOut">
               <a:rPr lang="zh-CN" altLang="en-US" smtClean="0"/>
-              <a:t>2020/3/15</a:t>
+              <a:t>2020/4/4</a:t>
             </a:fld>
             <a:endParaRPr lang="zh-CN" altLang="en-US"/>
           </a:p>

--- a/设计图.pptx
+++ b/设计图.pptx
@@ -274,7 +274,7 @@
           <a:p>
             <a:fld id="{6C98D4B4-EDE5-4699-BAB6-6AE8726FF57E}" type="datetimeFigureOut">
               <a:rPr lang="zh-CN" altLang="en-US" smtClean="0"/>
-              <a:t>2020/4/4</a:t>
+              <a:t>2020/4/27</a:t>
             </a:fld>
             <a:endParaRPr lang="zh-CN" altLang="en-US"/>
           </a:p>
@@ -472,7 +472,7 @@
           <a:p>
             <a:fld id="{6C98D4B4-EDE5-4699-BAB6-6AE8726FF57E}" type="datetimeFigureOut">
               <a:rPr lang="zh-CN" altLang="en-US" smtClean="0"/>
-              <a:t>2020/4/4</a:t>
+              <a:t>2020/4/27</a:t>
             </a:fld>
             <a:endParaRPr lang="zh-CN" altLang="en-US"/>
           </a:p>
@@ -680,7 +680,7 @@
           <a:p>
             <a:fld id="{6C98D4B4-EDE5-4699-BAB6-6AE8726FF57E}" type="datetimeFigureOut">
               <a:rPr lang="zh-CN" altLang="en-US" smtClean="0"/>
-              <a:t>2020/4/4</a:t>
+              <a:t>2020/4/27</a:t>
             </a:fld>
             <a:endParaRPr lang="zh-CN" altLang="en-US"/>
           </a:p>
@@ -878,7 +878,7 @@
           <a:p>
             <a:fld id="{6C98D4B4-EDE5-4699-BAB6-6AE8726FF57E}" type="datetimeFigureOut">
               <a:rPr lang="zh-CN" altLang="en-US" smtClean="0"/>
-              <a:t>2020/4/4</a:t>
+              <a:t>2020/4/27</a:t>
             </a:fld>
             <a:endParaRPr lang="zh-CN" altLang="en-US"/>
           </a:p>
@@ -1153,7 +1153,7 @@
           <a:p>
             <a:fld id="{6C98D4B4-EDE5-4699-BAB6-6AE8726FF57E}" type="datetimeFigureOut">
               <a:rPr lang="zh-CN" altLang="en-US" smtClean="0"/>
-              <a:t>2020/4/4</a:t>
+              <a:t>2020/4/27</a:t>
             </a:fld>
             <a:endParaRPr lang="zh-CN" altLang="en-US"/>
           </a:p>
@@ -1418,7 +1418,7 @@
           <a:p>
             <a:fld id="{6C98D4B4-EDE5-4699-BAB6-6AE8726FF57E}" type="datetimeFigureOut">
               <a:rPr lang="zh-CN" altLang="en-US" smtClean="0"/>
-              <a:t>2020/4/4</a:t>
+              <a:t>2020/4/27</a:t>
             </a:fld>
             <a:endParaRPr lang="zh-CN" altLang="en-US"/>
           </a:p>
@@ -1830,7 +1830,7 @@
           <a:p>
             <a:fld id="{6C98D4B4-EDE5-4699-BAB6-6AE8726FF57E}" type="datetimeFigureOut">
               <a:rPr lang="zh-CN" altLang="en-US" smtClean="0"/>
-              <a:t>2020/4/4</a:t>
+              <a:t>2020/4/27</a:t>
             </a:fld>
             <a:endParaRPr lang="zh-CN" altLang="en-US"/>
           </a:p>
@@ -1971,7 +1971,7 @@
           <a:p>
             <a:fld id="{6C98D4B4-EDE5-4699-BAB6-6AE8726FF57E}" type="datetimeFigureOut">
               <a:rPr lang="zh-CN" altLang="en-US" smtClean="0"/>
-              <a:t>2020/4/4</a:t>
+              <a:t>2020/4/27</a:t>
             </a:fld>
             <a:endParaRPr lang="zh-CN" altLang="en-US"/>
           </a:p>
@@ -2084,7 +2084,7 @@
           <a:p>
             <a:fld id="{6C98D4B4-EDE5-4699-BAB6-6AE8726FF57E}" type="datetimeFigureOut">
               <a:rPr lang="zh-CN" altLang="en-US" smtClean="0"/>
-              <a:t>2020/4/4</a:t>
+              <a:t>2020/4/27</a:t>
             </a:fld>
             <a:endParaRPr lang="zh-CN" altLang="en-US"/>
           </a:p>
@@ -2395,7 +2395,7 @@
           <a:p>
             <a:fld id="{6C98D4B4-EDE5-4699-BAB6-6AE8726FF57E}" type="datetimeFigureOut">
               <a:rPr lang="zh-CN" altLang="en-US" smtClean="0"/>
-              <a:t>2020/4/4</a:t>
+              <a:t>2020/4/27</a:t>
             </a:fld>
             <a:endParaRPr lang="zh-CN" altLang="en-US"/>
           </a:p>
@@ -2683,7 +2683,7 @@
           <a:p>
             <a:fld id="{6C98D4B4-EDE5-4699-BAB6-6AE8726FF57E}" type="datetimeFigureOut">
               <a:rPr lang="zh-CN" altLang="en-US" smtClean="0"/>
-              <a:t>2020/4/4</a:t>
+              <a:t>2020/4/27</a:t>
             </a:fld>
             <a:endParaRPr lang="zh-CN" altLang="en-US"/>
           </a:p>
@@ -2924,7 +2924,7 @@
           <a:p>
             <a:fld id="{6C98D4B4-EDE5-4699-BAB6-6AE8726FF57E}" type="datetimeFigureOut">
               <a:rPr lang="zh-CN" altLang="en-US" smtClean="0"/>
-              <a:t>2020/4/4</a:t>
+              <a:t>2020/4/27</a:t>
             </a:fld>
             <a:endParaRPr lang="zh-CN" altLang="en-US"/>
           </a:p>
